--- a/mid-term-pre/presentation_slides_v2.pptx
+++ b/mid-term-pre/presentation_slides_v2.pptx
@@ -4741,8 +4741,13 @@
             </a:r>
             <a:r>
               <a:rPr lang="en-US" dirty="0"/>
-              <a:t> This component resides on both the client-side and the server-side. </a:t>
-            </a:r>
+              <a:t> This component resides </a:t>
+            </a:r>
+            <a:r>
+              <a:rPr lang="en-US"/>
+              <a:t>on client-side. </a:t>
+            </a:r>
+            <a:endParaRPr lang="en-US" dirty="0"/>
           </a:p>
           <a:p>
             <a:r>

--- a/mid-term-pre/presentation_slides_v2.pptx
+++ b/mid-term-pre/presentation_slides_v2.pptx
@@ -1,16 +1,16 @@
 
 <file path=ppt/presentation.xml><?xml version="1.0" encoding="utf-8"?>
-<p:presentation xmlns:a="http://schemas.openxmlformats.org/drawingml/2006/main" xmlns:r="http://schemas.openxmlformats.org/officeDocument/2006/relationships" xmlns:p="http://schemas.openxmlformats.org/presentationml/2006/main" saveSubsetFonts="1">
+<p:presentation xmlns:a="http://schemas.openxmlformats.org/drawingml/2006/main" xmlns:r="http://schemas.openxmlformats.org/officeDocument/2006/relationships" xmlns:p="http://schemas.openxmlformats.org/presentationml/2006/main">
   <p:sldMasterIdLst>
-    <p:sldMasterId id="2147483746" r:id="rId1"/>
+    <p:sldMasterId id="2147483648" r:id="rId1"/>
   </p:sldMasterIdLst>
   <p:sldIdLst>
-    <p:sldId id="257" r:id="rId2"/>
-    <p:sldId id="258" r:id="rId3"/>
-    <p:sldId id="259" r:id="rId4"/>
-    <p:sldId id="260" r:id="rId5"/>
-    <p:sldId id="261" r:id="rId6"/>
-    <p:sldId id="262" r:id="rId7"/>
+    <p:sldId id="257" r:id="rId3"/>
+    <p:sldId id="258" r:id="rId4"/>
+    <p:sldId id="259" r:id="rId5"/>
+    <p:sldId id="260" r:id="rId6"/>
+    <p:sldId id="261" r:id="rId7"/>
+    <p:sldId id="262" r:id="rId8"/>
   </p:sldIdLst>
   <p:sldSz cx="12192000" cy="6858000"/>
   <p:notesSz cx="6858000" cy="9144000"/>
@@ -109,16 +109,11 @@
       </a:defRPr>
     </a:lvl9pPr>
   </p:defaultTextStyle>
-  <p:extLst>
-    <p:ext uri="{EFAFB233-063F-42B5-8137-9DF3F51BA10A}">
-      <p15:sldGuideLst xmlns:p15="http://schemas.microsoft.com/office/powerpoint/2012/main"/>
-    </p:ext>
-  </p:extLst>
 </p:presentation>
 </file>
 
 <file path=ppt/slideLayouts/slideLayout1.xml><?xml version="1.0" encoding="utf-8"?>
-<p:sldLayout xmlns:a="http://schemas.openxmlformats.org/drawingml/2006/main" xmlns:r="http://schemas.openxmlformats.org/officeDocument/2006/relationships" xmlns:p="http://schemas.openxmlformats.org/presentationml/2006/main" showMasterSp="0" type="title" preserve="1">
+<p:sldLayout xmlns:a="http://schemas.openxmlformats.org/drawingml/2006/main" xmlns:r="http://schemas.openxmlformats.org/officeDocument/2006/relationships" xmlns:p="http://schemas.openxmlformats.org/presentationml/2006/main" type="title" preserve="1" showMasterSp="0">
   <p:cSld name="Title Slide">
     <p:spTree>
       <p:nvGrpSpPr>
@@ -136,13 +131,7 @@
       </p:grpSpPr>
       <p:sp>
         <p:nvSpPr>
-          <p:cNvPr id="10" name="Rectangle 9">
-            <a:extLst>
-              <a:ext uri="{FF2B5EF4-FFF2-40B4-BE49-F238E27FC236}">
-                <a16:creationId xmlns:a16="http://schemas.microsoft.com/office/drawing/2014/main" id="{39E3965E-AC41-4711-9D10-E25ABB132D86}"/>
-              </a:ext>
-            </a:extLst>
-          </p:cNvPr>
+          <p:cNvPr id="10" name="Rectangle 9"/>
           <p:cNvSpPr/>
           <p:nvPr/>
         </p:nvSpPr>
@@ -296,13 +285,7 @@
       </p:sp>
       <p:cxnSp>
         <p:nvCxnSpPr>
-          <p:cNvPr id="9" name="Straight Connector 8">
-            <a:extLst>
-              <a:ext uri="{FF2B5EF4-FFF2-40B4-BE49-F238E27FC236}">
-                <a16:creationId xmlns:a16="http://schemas.microsoft.com/office/drawing/2014/main" id="{1F5DC8C3-BA5F-4EED-BB9A-A14272BD82A1}"/>
-              </a:ext>
-            </a:extLst>
-          </p:cNvPr>
+          <p:cNvPr id="9" name="Straight Connector 8"/>
           <p:cNvCxnSpPr/>
           <p:nvPr/>
         </p:nvCxnSpPr>
@@ -340,13 +323,7 @@
       </p:cxnSp>
       <p:sp>
         <p:nvSpPr>
-          <p:cNvPr id="4" name="Date Placeholder 3">
-            <a:extLst>
-              <a:ext uri="{FF2B5EF4-FFF2-40B4-BE49-F238E27FC236}">
-                <a16:creationId xmlns:a16="http://schemas.microsoft.com/office/drawing/2014/main" id="{9925CCF1-92C0-4AF3-BFAF-4921631915AB}"/>
-              </a:ext>
-            </a:extLst>
-          </p:cNvPr>
+          <p:cNvPr id="4" name="Date Placeholder 3"/>
           <p:cNvSpPr>
             <a:spLocks noGrp="1"/>
           </p:cNvSpPr>
@@ -361,7 +338,6 @@
           <a:p>
             <a:fld id="{9184DA70-C731-4C70-880D-CCD4705E623C}" type="datetime1">
               <a:rPr lang="en-US" smtClean="0"/>
-              <a:t>3/28/2021</a:t>
             </a:fld>
             <a:endParaRPr lang="en-US" dirty="0"/>
           </a:p>
@@ -369,13 +345,7 @@
       </p:sp>
       <p:sp>
         <p:nvSpPr>
-          <p:cNvPr id="5" name="Footer Placeholder 4">
-            <a:extLst>
-              <a:ext uri="{FF2B5EF4-FFF2-40B4-BE49-F238E27FC236}">
-                <a16:creationId xmlns:a16="http://schemas.microsoft.com/office/drawing/2014/main" id="{051A78A9-3DFF-4937-A9F2-5D8CF495F367}"/>
-              </a:ext>
-            </a:extLst>
-          </p:cNvPr>
+          <p:cNvPr id="5" name="Footer Placeholder 4"/>
           <p:cNvSpPr>
             <a:spLocks noGrp="1"/>
           </p:cNvSpPr>
@@ -394,13 +364,7 @@
       </p:sp>
       <p:sp>
         <p:nvSpPr>
-          <p:cNvPr id="6" name="Slide Number Placeholder 5">
-            <a:extLst>
-              <a:ext uri="{FF2B5EF4-FFF2-40B4-BE49-F238E27FC236}">
-                <a16:creationId xmlns:a16="http://schemas.microsoft.com/office/drawing/2014/main" id="{5FAEB271-5CC0-4759-BC6E-8BE53AB227C0}"/>
-              </a:ext>
-            </a:extLst>
-          </p:cNvPr>
+          <p:cNvPr id="6" name="Slide Number Placeholder 5"/>
           <p:cNvSpPr>
             <a:spLocks noGrp="1"/>
           </p:cNvSpPr>
@@ -415,18 +379,12 @@
           <a:p>
             <a:fld id="{3A98EE3D-8CD1-4C3F-BD1C-C98C9596463C}" type="slidenum">
               <a:rPr lang="en-US" smtClean="0"/>
-              <a:t>‹#›</a:t>
             </a:fld>
             <a:endParaRPr lang="en-US" dirty="0"/>
           </a:p>
         </p:txBody>
       </p:sp>
     </p:spTree>
-    <p:extLst>
-      <p:ext uri="{BB962C8B-B14F-4D97-AF65-F5344CB8AC3E}">
-        <p14:creationId xmlns:p14="http://schemas.microsoft.com/office/powerpoint/2010/main" val="4258331492"/>
-      </p:ext>
-    </p:extLst>
   </p:cSld>
   <p:clrMapOvr>
     <a:masterClrMapping/>
@@ -494,6 +452,7 @@
               <a:rPr lang="en-US"/>
               <a:t>Click to edit Master text styles</a:t>
             </a:r>
+            <a:endParaRPr lang="en-US"/>
           </a:p>
           <a:p>
             <a:pPr lvl="1"/>
@@ -501,6 +460,7 @@
               <a:rPr lang="en-US"/>
               <a:t>Second level</a:t>
             </a:r>
+            <a:endParaRPr lang="en-US"/>
           </a:p>
           <a:p>
             <a:pPr lvl="2"/>
@@ -508,6 +468,7 @@
               <a:rPr lang="en-US"/>
               <a:t>Third level</a:t>
             </a:r>
+            <a:endParaRPr lang="en-US"/>
           </a:p>
           <a:p>
             <a:pPr lvl="3"/>
@@ -515,6 +476,7 @@
               <a:rPr lang="en-US"/>
               <a:t>Fourth level</a:t>
             </a:r>
+            <a:endParaRPr lang="en-US"/>
           </a:p>
           <a:p>
             <a:pPr lvl="4"/>
@@ -528,13 +490,7 @@
       </p:sp>
       <p:sp>
         <p:nvSpPr>
-          <p:cNvPr id="7" name="Date Placeholder 6">
-            <a:extLst>
-              <a:ext uri="{FF2B5EF4-FFF2-40B4-BE49-F238E27FC236}">
-                <a16:creationId xmlns:a16="http://schemas.microsoft.com/office/drawing/2014/main" id="{7D5506EE-1026-4F35-9ACC-BD05BE0F9B36}"/>
-              </a:ext>
-            </a:extLst>
-          </p:cNvPr>
+          <p:cNvPr id="7" name="Date Placeholder 6"/>
           <p:cNvSpPr>
             <a:spLocks noGrp="1"/>
           </p:cNvSpPr>
@@ -549,7 +505,6 @@
           <a:p>
             <a:fld id="{B612A279-0833-481D-8C56-F67FD0AC6C50}" type="datetime1">
               <a:rPr lang="en-US" smtClean="0"/>
-              <a:t>3/28/2021</a:t>
             </a:fld>
             <a:endParaRPr lang="en-US" dirty="0"/>
           </a:p>
@@ -557,13 +512,7 @@
       </p:sp>
       <p:sp>
         <p:nvSpPr>
-          <p:cNvPr id="8" name="Footer Placeholder 7">
-            <a:extLst>
-              <a:ext uri="{FF2B5EF4-FFF2-40B4-BE49-F238E27FC236}">
-                <a16:creationId xmlns:a16="http://schemas.microsoft.com/office/drawing/2014/main" id="{B7696E5F-8D95-4450-AE52-5438E6EDE2BF}"/>
-              </a:ext>
-            </a:extLst>
-          </p:cNvPr>
+          <p:cNvPr id="8" name="Footer Placeholder 7"/>
           <p:cNvSpPr>
             <a:spLocks noGrp="1"/>
           </p:cNvSpPr>
@@ -582,13 +531,7 @@
       </p:sp>
       <p:sp>
         <p:nvSpPr>
-          <p:cNvPr id="9" name="Slide Number Placeholder 8">
-            <a:extLst>
-              <a:ext uri="{FF2B5EF4-FFF2-40B4-BE49-F238E27FC236}">
-                <a16:creationId xmlns:a16="http://schemas.microsoft.com/office/drawing/2014/main" id="{999B2253-74CC-409E-BEB0-F8EFCFCB5629}"/>
-              </a:ext>
-            </a:extLst>
-          </p:cNvPr>
+          <p:cNvPr id="9" name="Slide Number Placeholder 8"/>
           <p:cNvSpPr>
             <a:spLocks noGrp="1"/>
           </p:cNvSpPr>
@@ -603,18 +546,12 @@
           <a:p>
             <a:fld id="{3A98EE3D-8CD1-4C3F-BD1C-C98C9596463C}" type="slidenum">
               <a:rPr lang="en-US" smtClean="0"/>
-              <a:t>‹#›</a:t>
             </a:fld>
             <a:endParaRPr lang="en-US" dirty="0"/>
           </a:p>
         </p:txBody>
       </p:sp>
     </p:spTree>
-    <p:extLst>
-      <p:ext uri="{BB962C8B-B14F-4D97-AF65-F5344CB8AC3E}">
-        <p14:creationId xmlns:p14="http://schemas.microsoft.com/office/powerpoint/2010/main" val="1672269861"/>
-      </p:ext>
-    </p:extLst>
   </p:cSld>
   <p:clrMapOvr>
     <a:masterClrMapping/>
@@ -623,7 +560,7 @@
 </file>
 
 <file path=ppt/slideLayouts/slideLayout11.xml><?xml version="1.0" encoding="utf-8"?>
-<p:sldLayout xmlns:a="http://schemas.openxmlformats.org/drawingml/2006/main" xmlns:r="http://schemas.openxmlformats.org/officeDocument/2006/relationships" xmlns:p="http://schemas.openxmlformats.org/presentationml/2006/main" showMasterSp="0" type="vertTitleAndTx" preserve="1">
+<p:sldLayout xmlns:a="http://schemas.openxmlformats.org/drawingml/2006/main" xmlns:r="http://schemas.openxmlformats.org/officeDocument/2006/relationships" xmlns:p="http://schemas.openxmlformats.org/presentationml/2006/main" type="vertTitleAndTx" preserve="1" showMasterSp="0">
   <p:cSld name="Vertical Title and Text">
     <p:spTree>
       <p:nvGrpSpPr>
@@ -641,13 +578,7 @@
       </p:grpSpPr>
       <p:sp>
         <p:nvSpPr>
-          <p:cNvPr id="9" name="Rectangle 8">
-            <a:extLst>
-              <a:ext uri="{FF2B5EF4-FFF2-40B4-BE49-F238E27FC236}">
-                <a16:creationId xmlns:a16="http://schemas.microsoft.com/office/drawing/2014/main" id="{E1B68A5B-D9FA-424B-A4EB-30E7223836B3}"/>
-              </a:ext>
-            </a:extLst>
-          </p:cNvPr>
+          <p:cNvPr id="9" name="Rectangle 8"/>
           <p:cNvSpPr/>
           <p:nvPr/>
         </p:nvSpPr>
@@ -736,6 +667,7 @@
               <a:rPr lang="en-US"/>
               <a:t>Click to edit Master text styles</a:t>
             </a:r>
+            <a:endParaRPr lang="en-US"/>
           </a:p>
           <a:p>
             <a:pPr lvl="1"/>
@@ -743,6 +675,7 @@
               <a:rPr lang="en-US"/>
               <a:t>Second level</a:t>
             </a:r>
+            <a:endParaRPr lang="en-US"/>
           </a:p>
           <a:p>
             <a:pPr lvl="2"/>
@@ -750,6 +683,7 @@
               <a:rPr lang="en-US"/>
               <a:t>Third level</a:t>
             </a:r>
+            <a:endParaRPr lang="en-US"/>
           </a:p>
           <a:p>
             <a:pPr lvl="3"/>
@@ -757,6 +691,7 @@
               <a:rPr lang="en-US"/>
               <a:t>Fourth level</a:t>
             </a:r>
+            <a:endParaRPr lang="en-US"/>
           </a:p>
           <a:p>
             <a:pPr lvl="4"/>
@@ -770,13 +705,7 @@
       </p:sp>
       <p:sp>
         <p:nvSpPr>
-          <p:cNvPr id="7" name="Date Placeholder 6">
-            <a:extLst>
-              <a:ext uri="{FF2B5EF4-FFF2-40B4-BE49-F238E27FC236}">
-                <a16:creationId xmlns:a16="http://schemas.microsoft.com/office/drawing/2014/main" id="{AF33D6B0-F070-45C4-A472-19F432BE3932}"/>
-              </a:ext>
-            </a:extLst>
-          </p:cNvPr>
+          <p:cNvPr id="7" name="Date Placeholder 6"/>
           <p:cNvSpPr>
             <a:spLocks noGrp="1"/>
           </p:cNvSpPr>
@@ -791,7 +720,6 @@
           <a:p>
             <a:fld id="{6587DA83-5663-4C9C-B9AA-0B40A3DAFF81}" type="datetime1">
               <a:rPr lang="en-US" smtClean="0"/>
-              <a:t>3/28/2021</a:t>
             </a:fld>
             <a:endParaRPr lang="en-US" dirty="0"/>
           </a:p>
@@ -799,13 +727,7 @@
       </p:sp>
       <p:sp>
         <p:nvSpPr>
-          <p:cNvPr id="8" name="Footer Placeholder 7">
-            <a:extLst>
-              <a:ext uri="{FF2B5EF4-FFF2-40B4-BE49-F238E27FC236}">
-                <a16:creationId xmlns:a16="http://schemas.microsoft.com/office/drawing/2014/main" id="{9975399F-DAB2-410D-967F-ED17E6F796E7}"/>
-              </a:ext>
-            </a:extLst>
-          </p:cNvPr>
+          <p:cNvPr id="8" name="Footer Placeholder 7"/>
           <p:cNvSpPr>
             <a:spLocks noGrp="1"/>
           </p:cNvSpPr>
@@ -824,13 +746,7 @@
       </p:sp>
       <p:sp>
         <p:nvSpPr>
-          <p:cNvPr id="10" name="Slide Number Placeholder 9">
-            <a:extLst>
-              <a:ext uri="{FF2B5EF4-FFF2-40B4-BE49-F238E27FC236}">
-                <a16:creationId xmlns:a16="http://schemas.microsoft.com/office/drawing/2014/main" id="{F762A46F-6BE5-4D12-9412-5CA7672EA8EC}"/>
-              </a:ext>
-            </a:extLst>
-          </p:cNvPr>
+          <p:cNvPr id="10" name="Slide Number Placeholder 9"/>
           <p:cNvSpPr>
             <a:spLocks noGrp="1"/>
           </p:cNvSpPr>
@@ -845,18 +761,12 @@
           <a:p>
             <a:fld id="{3A98EE3D-8CD1-4C3F-BD1C-C98C9596463C}" type="slidenum">
               <a:rPr lang="en-US" smtClean="0"/>
-              <a:t>‹#›</a:t>
             </a:fld>
             <a:endParaRPr lang="en-US" dirty="0"/>
           </a:p>
         </p:txBody>
       </p:sp>
     </p:spTree>
-    <p:extLst>
-      <p:ext uri="{BB962C8B-B14F-4D97-AF65-F5344CB8AC3E}">
-        <p14:creationId xmlns:p14="http://schemas.microsoft.com/office/powerpoint/2010/main" val="761827292"/>
-      </p:ext>
-    </p:extLst>
   </p:cSld>
   <p:clrMapOvr>
     <a:masterClrMapping/>
@@ -924,6 +834,7 @@
               <a:rPr lang="en-US"/>
               <a:t>Click to edit Master text styles</a:t>
             </a:r>
+            <a:endParaRPr lang="en-US"/>
           </a:p>
           <a:p>
             <a:pPr lvl="1"/>
@@ -931,6 +842,7 @@
               <a:rPr lang="en-US"/>
               <a:t>Second level</a:t>
             </a:r>
+            <a:endParaRPr lang="en-US"/>
           </a:p>
           <a:p>
             <a:pPr lvl="2"/>
@@ -938,6 +850,7 @@
               <a:rPr lang="en-US"/>
               <a:t>Third level</a:t>
             </a:r>
+            <a:endParaRPr lang="en-US"/>
           </a:p>
           <a:p>
             <a:pPr lvl="3"/>
@@ -945,6 +858,7 @@
               <a:rPr lang="en-US"/>
               <a:t>Fourth level</a:t>
             </a:r>
+            <a:endParaRPr lang="en-US"/>
           </a:p>
           <a:p>
             <a:pPr lvl="4"/>
@@ -958,13 +872,7 @@
       </p:sp>
       <p:sp>
         <p:nvSpPr>
-          <p:cNvPr id="7" name="Date Placeholder 6">
-            <a:extLst>
-              <a:ext uri="{FF2B5EF4-FFF2-40B4-BE49-F238E27FC236}">
-                <a16:creationId xmlns:a16="http://schemas.microsoft.com/office/drawing/2014/main" id="{354D8B55-9EA8-4B81-8E84-9B93B0A27559}"/>
-              </a:ext>
-            </a:extLst>
-          </p:cNvPr>
+          <p:cNvPr id="7" name="Date Placeholder 6"/>
           <p:cNvSpPr>
             <a:spLocks noGrp="1"/>
           </p:cNvSpPr>
@@ -979,7 +887,6 @@
           <a:p>
             <a:fld id="{4BE1D723-8F53-4F53-90B0-1982A396982E}" type="datetime1">
               <a:rPr lang="en-US" smtClean="0"/>
-              <a:t>3/28/2021</a:t>
             </a:fld>
             <a:endParaRPr lang="en-US" dirty="0"/>
           </a:p>
@@ -987,13 +894,7 @@
       </p:sp>
       <p:sp>
         <p:nvSpPr>
-          <p:cNvPr id="8" name="Footer Placeholder 7">
-            <a:extLst>
-              <a:ext uri="{FF2B5EF4-FFF2-40B4-BE49-F238E27FC236}">
-                <a16:creationId xmlns:a16="http://schemas.microsoft.com/office/drawing/2014/main" id="{062CA021-2578-47CB-822C-BDDFF7223B28}"/>
-              </a:ext>
-            </a:extLst>
-          </p:cNvPr>
+          <p:cNvPr id="8" name="Footer Placeholder 7"/>
           <p:cNvSpPr>
             <a:spLocks noGrp="1"/>
           </p:cNvSpPr>
@@ -1012,13 +913,7 @@
       </p:sp>
       <p:sp>
         <p:nvSpPr>
-          <p:cNvPr id="9" name="Slide Number Placeholder 8">
-            <a:extLst>
-              <a:ext uri="{FF2B5EF4-FFF2-40B4-BE49-F238E27FC236}">
-                <a16:creationId xmlns:a16="http://schemas.microsoft.com/office/drawing/2014/main" id="{C4AAB51D-4141-4682-9375-DAFD5FB9DD10}"/>
-              </a:ext>
-            </a:extLst>
-          </p:cNvPr>
+          <p:cNvPr id="9" name="Slide Number Placeholder 8"/>
           <p:cNvSpPr>
             <a:spLocks noGrp="1"/>
           </p:cNvSpPr>
@@ -1033,18 +928,12 @@
           <a:p>
             <a:fld id="{3A98EE3D-8CD1-4C3F-BD1C-C98C9596463C}" type="slidenum">
               <a:rPr lang="en-US" smtClean="0"/>
-              <a:t>‹#›</a:t>
             </a:fld>
             <a:endParaRPr lang="en-US" dirty="0"/>
           </a:p>
         </p:txBody>
       </p:sp>
     </p:spTree>
-    <p:extLst>
-      <p:ext uri="{BB962C8B-B14F-4D97-AF65-F5344CB8AC3E}">
-        <p14:creationId xmlns:p14="http://schemas.microsoft.com/office/powerpoint/2010/main" val="892670607"/>
-      </p:ext>
-    </p:extLst>
   </p:cSld>
   <p:clrMapOvr>
     <a:masterClrMapping/>
@@ -1053,7 +942,7 @@
 </file>
 
 <file path=ppt/slideLayouts/slideLayout3.xml><?xml version="1.0" encoding="utf-8"?>
-<p:sldLayout xmlns:a="http://schemas.openxmlformats.org/drawingml/2006/main" xmlns:r="http://schemas.openxmlformats.org/officeDocument/2006/relationships" xmlns:p="http://schemas.openxmlformats.org/presentationml/2006/main" showMasterSp="0" type="secHead" preserve="1">
+<p:sldLayout xmlns:a="http://schemas.openxmlformats.org/drawingml/2006/main" xmlns:r="http://schemas.openxmlformats.org/officeDocument/2006/relationships" xmlns:p="http://schemas.openxmlformats.org/presentationml/2006/main" type="secHead" preserve="1" showMasterSp="0">
   <p:cSld name="Section Header">
     <p:bg>
       <p:bgPr>
@@ -1079,13 +968,7 @@
       </p:grpSpPr>
       <p:sp>
         <p:nvSpPr>
-          <p:cNvPr id="10" name="Rectangle 9">
-            <a:extLst>
-              <a:ext uri="{FF2B5EF4-FFF2-40B4-BE49-F238E27FC236}">
-                <a16:creationId xmlns:a16="http://schemas.microsoft.com/office/drawing/2014/main" id="{A585C21A-8B93-4657-B5DF-7EAEAD3BE127}"/>
-              </a:ext>
-            </a:extLst>
-          </p:cNvPr>
+          <p:cNvPr id="10" name="Rectangle 9"/>
           <p:cNvSpPr/>
           <p:nvPr/>
         </p:nvSpPr>
@@ -1282,18 +1165,13 @@
               <a:rPr lang="en-US"/>
               <a:t>Click to edit Master text styles</a:t>
             </a:r>
+            <a:endParaRPr lang="en-US"/>
           </a:p>
         </p:txBody>
       </p:sp>
       <p:cxnSp>
         <p:nvCxnSpPr>
-          <p:cNvPr id="9" name="Straight Connector 8">
-            <a:extLst>
-              <a:ext uri="{FF2B5EF4-FFF2-40B4-BE49-F238E27FC236}">
-                <a16:creationId xmlns:a16="http://schemas.microsoft.com/office/drawing/2014/main" id="{459DE2C1-4C52-40A3-8959-27B2C1BEBFF6}"/>
-              </a:ext>
-            </a:extLst>
-          </p:cNvPr>
+          <p:cNvPr id="9" name="Straight Connector 8"/>
           <p:cNvCxnSpPr/>
           <p:nvPr/>
         </p:nvCxnSpPr>
@@ -1331,13 +1209,7 @@
       </p:cxnSp>
       <p:sp>
         <p:nvSpPr>
-          <p:cNvPr id="7" name="Date Placeholder 6">
-            <a:extLst>
-              <a:ext uri="{FF2B5EF4-FFF2-40B4-BE49-F238E27FC236}">
-                <a16:creationId xmlns:a16="http://schemas.microsoft.com/office/drawing/2014/main" id="{AAF2E137-EC28-48F8-9198-1F02539029B6}"/>
-              </a:ext>
-            </a:extLst>
-          </p:cNvPr>
+          <p:cNvPr id="7" name="Date Placeholder 6"/>
           <p:cNvSpPr>
             <a:spLocks noGrp="1"/>
           </p:cNvSpPr>
@@ -1352,7 +1224,6 @@
           <a:p>
             <a:fld id="{97669AF7-7BEB-44E4-9852-375E34362B5B}" type="datetime1">
               <a:rPr lang="en-US" smtClean="0"/>
-              <a:t>3/28/2021</a:t>
             </a:fld>
             <a:endParaRPr lang="en-US" dirty="0"/>
           </a:p>
@@ -1360,13 +1231,7 @@
       </p:sp>
       <p:sp>
         <p:nvSpPr>
-          <p:cNvPr id="8" name="Footer Placeholder 7">
-            <a:extLst>
-              <a:ext uri="{FF2B5EF4-FFF2-40B4-BE49-F238E27FC236}">
-                <a16:creationId xmlns:a16="http://schemas.microsoft.com/office/drawing/2014/main" id="{189422CD-6F62-4DD6-89EF-07A60B42D219}"/>
-              </a:ext>
-            </a:extLst>
-          </p:cNvPr>
+          <p:cNvPr id="8" name="Footer Placeholder 7"/>
           <p:cNvSpPr>
             <a:spLocks noGrp="1"/>
           </p:cNvSpPr>
@@ -1385,13 +1250,7 @@
       </p:sp>
       <p:sp>
         <p:nvSpPr>
-          <p:cNvPr id="11" name="Slide Number Placeholder 10">
-            <a:extLst>
-              <a:ext uri="{FF2B5EF4-FFF2-40B4-BE49-F238E27FC236}">
-                <a16:creationId xmlns:a16="http://schemas.microsoft.com/office/drawing/2014/main" id="{69C6AFF8-42B4-4D05-969B-9F5FB3355555}"/>
-              </a:ext>
-            </a:extLst>
-          </p:cNvPr>
+          <p:cNvPr id="11" name="Slide Number Placeholder 10"/>
           <p:cNvSpPr>
             <a:spLocks noGrp="1"/>
           </p:cNvSpPr>
@@ -1406,18 +1265,12 @@
           <a:p>
             <a:fld id="{3A98EE3D-8CD1-4C3F-BD1C-C98C9596463C}" type="slidenum">
               <a:rPr lang="en-US" smtClean="0"/>
-              <a:t>‹#›</a:t>
             </a:fld>
             <a:endParaRPr lang="en-US" dirty="0"/>
           </a:p>
         </p:txBody>
       </p:sp>
     </p:spTree>
-    <p:extLst>
-      <p:ext uri="{BB962C8B-B14F-4D97-AF65-F5344CB8AC3E}">
-        <p14:creationId xmlns:p14="http://schemas.microsoft.com/office/powerpoint/2010/main" val="3304162564"/>
-      </p:ext>
-    </p:extLst>
   </p:cSld>
   <p:clrMapOvr>
     <a:masterClrMapping/>
@@ -1495,6 +1348,7 @@
               <a:rPr lang="en-US"/>
               <a:t>Click to edit Master text styles</a:t>
             </a:r>
+            <a:endParaRPr lang="en-US"/>
           </a:p>
           <a:p>
             <a:pPr lvl="1"/>
@@ -1502,6 +1356,7 @@
               <a:rPr lang="en-US"/>
               <a:t>Second level</a:t>
             </a:r>
+            <a:endParaRPr lang="en-US"/>
           </a:p>
           <a:p>
             <a:pPr lvl="2"/>
@@ -1509,6 +1364,7 @@
               <a:rPr lang="en-US"/>
               <a:t>Third level</a:t>
             </a:r>
+            <a:endParaRPr lang="en-US"/>
           </a:p>
           <a:p>
             <a:pPr lvl="3"/>
@@ -1516,6 +1372,7 @@
               <a:rPr lang="en-US"/>
               <a:t>Fourth level</a:t>
             </a:r>
+            <a:endParaRPr lang="en-US"/>
           </a:p>
           <a:p>
             <a:pPr lvl="4"/>
@@ -1552,6 +1409,7 @@
               <a:rPr lang="en-US"/>
               <a:t>Click to edit Master text styles</a:t>
             </a:r>
+            <a:endParaRPr lang="en-US"/>
           </a:p>
           <a:p>
             <a:pPr lvl="1"/>
@@ -1559,6 +1417,7 @@
               <a:rPr lang="en-US"/>
               <a:t>Second level</a:t>
             </a:r>
+            <a:endParaRPr lang="en-US"/>
           </a:p>
           <a:p>
             <a:pPr lvl="2"/>
@@ -1566,6 +1425,7 @@
               <a:rPr lang="en-US"/>
               <a:t>Third level</a:t>
             </a:r>
+            <a:endParaRPr lang="en-US"/>
           </a:p>
           <a:p>
             <a:pPr lvl="3"/>
@@ -1573,6 +1433,7 @@
               <a:rPr lang="en-US"/>
               <a:t>Fourth level</a:t>
             </a:r>
+            <a:endParaRPr lang="en-US"/>
           </a:p>
           <a:p>
             <a:pPr lvl="4"/>
@@ -1586,13 +1447,7 @@
       </p:sp>
       <p:sp>
         <p:nvSpPr>
-          <p:cNvPr id="2" name="Date Placeholder 1">
-            <a:extLst>
-              <a:ext uri="{FF2B5EF4-FFF2-40B4-BE49-F238E27FC236}">
-                <a16:creationId xmlns:a16="http://schemas.microsoft.com/office/drawing/2014/main" id="{5782D47D-B0DC-4C40-BCC6-BBBA32584A38}"/>
-              </a:ext>
-            </a:extLst>
-          </p:cNvPr>
+          <p:cNvPr id="2" name="Date Placeholder 1"/>
           <p:cNvSpPr>
             <a:spLocks noGrp="1"/>
           </p:cNvSpPr>
@@ -1607,7 +1462,6 @@
           <a:p>
             <a:fld id="{BAAAC38D-0552-4C82-B593-E6124DFADBE2}" type="datetime1">
               <a:rPr lang="en-US" smtClean="0"/>
-              <a:t>3/28/2021</a:t>
             </a:fld>
             <a:endParaRPr lang="en-US" dirty="0"/>
           </a:p>
@@ -1615,13 +1469,7 @@
       </p:sp>
       <p:sp>
         <p:nvSpPr>
-          <p:cNvPr id="9" name="Footer Placeholder 8">
-            <a:extLst>
-              <a:ext uri="{FF2B5EF4-FFF2-40B4-BE49-F238E27FC236}">
-                <a16:creationId xmlns:a16="http://schemas.microsoft.com/office/drawing/2014/main" id="{4690D34E-7EBD-44B2-83CA-4C126A18D7EF}"/>
-              </a:ext>
-            </a:extLst>
-          </p:cNvPr>
+          <p:cNvPr id="9" name="Footer Placeholder 8"/>
           <p:cNvSpPr>
             <a:spLocks noGrp="1"/>
           </p:cNvSpPr>
@@ -1640,13 +1488,7 @@
       </p:sp>
       <p:sp>
         <p:nvSpPr>
-          <p:cNvPr id="10" name="Slide Number Placeholder 9">
-            <a:extLst>
-              <a:ext uri="{FF2B5EF4-FFF2-40B4-BE49-F238E27FC236}">
-                <a16:creationId xmlns:a16="http://schemas.microsoft.com/office/drawing/2014/main" id="{2AC511A1-9BBD-42DE-92FB-2AF44F8E97A9}"/>
-              </a:ext>
-            </a:extLst>
-          </p:cNvPr>
+          <p:cNvPr id="10" name="Slide Number Placeholder 9"/>
           <p:cNvSpPr>
             <a:spLocks noGrp="1"/>
           </p:cNvSpPr>
@@ -1661,18 +1503,12 @@
           <a:p>
             <a:fld id="{3A98EE3D-8CD1-4C3F-BD1C-C98C9596463C}" type="slidenum">
               <a:rPr lang="en-US" smtClean="0"/>
-              <a:t>‹#›</a:t>
             </a:fld>
             <a:endParaRPr lang="en-US" dirty="0"/>
           </a:p>
         </p:txBody>
       </p:sp>
     </p:spTree>
-    <p:extLst>
-      <p:ext uri="{BB962C8B-B14F-4D97-AF65-F5344CB8AC3E}">
-        <p14:creationId xmlns:p14="http://schemas.microsoft.com/office/powerpoint/2010/main" val="4256663047"/>
-      </p:ext>
-    </p:extLst>
   </p:cSld>
   <p:clrMapOvr>
     <a:masterClrMapping/>
@@ -1793,6 +1629,7 @@
               <a:rPr lang="en-US"/>
               <a:t>Click to edit Master text styles</a:t>
             </a:r>
+            <a:endParaRPr lang="en-US"/>
           </a:p>
         </p:txBody>
       </p:sp>
@@ -1821,6 +1658,7 @@
               <a:rPr lang="en-US"/>
               <a:t>Click to edit Master text styles</a:t>
             </a:r>
+            <a:endParaRPr lang="en-US"/>
           </a:p>
           <a:p>
             <a:pPr lvl="1"/>
@@ -1828,6 +1666,7 @@
               <a:rPr lang="en-US"/>
               <a:t>Second level</a:t>
             </a:r>
+            <a:endParaRPr lang="en-US"/>
           </a:p>
           <a:p>
             <a:pPr lvl="2"/>
@@ -1835,6 +1674,7 @@
               <a:rPr lang="en-US"/>
               <a:t>Third level</a:t>
             </a:r>
+            <a:endParaRPr lang="en-US"/>
           </a:p>
           <a:p>
             <a:pPr lvl="3"/>
@@ -1842,6 +1682,7 @@
               <a:rPr lang="en-US"/>
               <a:t>Fourth level</a:t>
             </a:r>
+            <a:endParaRPr lang="en-US"/>
           </a:p>
           <a:p>
             <a:pPr lvl="4"/>
@@ -1921,6 +1762,7 @@
               <a:rPr lang="en-US"/>
               <a:t>Click to edit Master text styles</a:t>
             </a:r>
+            <a:endParaRPr lang="en-US"/>
           </a:p>
         </p:txBody>
       </p:sp>
@@ -1949,6 +1791,7 @@
               <a:rPr lang="en-US"/>
               <a:t>Click to edit Master text styles</a:t>
             </a:r>
+            <a:endParaRPr lang="en-US"/>
           </a:p>
           <a:p>
             <a:pPr lvl="1"/>
@@ -1956,6 +1799,7 @@
               <a:rPr lang="en-US"/>
               <a:t>Second level</a:t>
             </a:r>
+            <a:endParaRPr lang="en-US"/>
           </a:p>
           <a:p>
             <a:pPr lvl="2"/>
@@ -1963,6 +1807,7 @@
               <a:rPr lang="en-US"/>
               <a:t>Third level</a:t>
             </a:r>
+            <a:endParaRPr lang="en-US"/>
           </a:p>
           <a:p>
             <a:pPr lvl="3"/>
@@ -1970,6 +1815,7 @@
               <a:rPr lang="en-US"/>
               <a:t>Fourth level</a:t>
             </a:r>
+            <a:endParaRPr lang="en-US"/>
           </a:p>
           <a:p>
             <a:pPr lvl="4"/>
@@ -1983,13 +1829,7 @@
       </p:sp>
       <p:sp>
         <p:nvSpPr>
-          <p:cNvPr id="2" name="Date Placeholder 1">
-            <a:extLst>
-              <a:ext uri="{FF2B5EF4-FFF2-40B4-BE49-F238E27FC236}">
-                <a16:creationId xmlns:a16="http://schemas.microsoft.com/office/drawing/2014/main" id="{8AF8A515-AA94-45D1-9223-5C2272618D85}"/>
-              </a:ext>
-            </a:extLst>
-          </p:cNvPr>
+          <p:cNvPr id="2" name="Date Placeholder 1"/>
           <p:cNvSpPr>
             <a:spLocks noGrp="1"/>
           </p:cNvSpPr>
@@ -2004,7 +1844,6 @@
           <a:p>
             <a:fld id="{D9DF0F1C-5577-4ACB-BB62-DF8F3C494C7E}" type="datetime1">
               <a:rPr lang="en-US" smtClean="0"/>
-              <a:t>3/28/2021</a:t>
             </a:fld>
             <a:endParaRPr lang="en-US" dirty="0"/>
           </a:p>
@@ -2012,13 +1851,7 @@
       </p:sp>
       <p:sp>
         <p:nvSpPr>
-          <p:cNvPr id="11" name="Footer Placeholder 10">
-            <a:extLst>
-              <a:ext uri="{FF2B5EF4-FFF2-40B4-BE49-F238E27FC236}">
-                <a16:creationId xmlns:a16="http://schemas.microsoft.com/office/drawing/2014/main" id="{D052F5BC-98E0-4D60-AD67-9547738B7DD4}"/>
-              </a:ext>
-            </a:extLst>
-          </p:cNvPr>
+          <p:cNvPr id="11" name="Footer Placeholder 10"/>
           <p:cNvSpPr>
             <a:spLocks noGrp="1"/>
           </p:cNvSpPr>
@@ -2037,13 +1870,7 @@
       </p:sp>
       <p:sp>
         <p:nvSpPr>
-          <p:cNvPr id="12" name="Slide Number Placeholder 11">
-            <a:extLst>
-              <a:ext uri="{FF2B5EF4-FFF2-40B4-BE49-F238E27FC236}">
-                <a16:creationId xmlns:a16="http://schemas.microsoft.com/office/drawing/2014/main" id="{A38552DC-952E-41EA-AAAF-C2187523C0B0}"/>
-              </a:ext>
-            </a:extLst>
-          </p:cNvPr>
+          <p:cNvPr id="12" name="Slide Number Placeholder 11"/>
           <p:cNvSpPr>
             <a:spLocks noGrp="1"/>
           </p:cNvSpPr>
@@ -2058,18 +1885,12 @@
           <a:p>
             <a:fld id="{3A98EE3D-8CD1-4C3F-BD1C-C98C9596463C}" type="slidenum">
               <a:rPr lang="en-US" smtClean="0"/>
-              <a:t>‹#›</a:t>
             </a:fld>
             <a:endParaRPr lang="en-US" dirty="0"/>
           </a:p>
         </p:txBody>
       </p:sp>
     </p:spTree>
-    <p:extLst>
-      <p:ext uri="{BB962C8B-B14F-4D97-AF65-F5344CB8AC3E}">
-        <p14:creationId xmlns:p14="http://schemas.microsoft.com/office/powerpoint/2010/main" val="3068194699"/>
-      </p:ext>
-    </p:extLst>
   </p:cSld>
   <p:clrMapOvr>
     <a:masterClrMapping/>
@@ -2119,13 +1940,7 @@
       </p:sp>
       <p:sp>
         <p:nvSpPr>
-          <p:cNvPr id="6" name="Date Placeholder 5">
-            <a:extLst>
-              <a:ext uri="{FF2B5EF4-FFF2-40B4-BE49-F238E27FC236}">
-                <a16:creationId xmlns:a16="http://schemas.microsoft.com/office/drawing/2014/main" id="{7392073F-158F-44A3-8913-917AFFC1BC20}"/>
-              </a:ext>
-            </a:extLst>
-          </p:cNvPr>
+          <p:cNvPr id="6" name="Date Placeholder 5"/>
           <p:cNvSpPr>
             <a:spLocks noGrp="1"/>
           </p:cNvSpPr>
@@ -2140,7 +1955,6 @@
           <a:p>
             <a:fld id="{1775B394-D9F9-4F0C-B15D-605F45CB9E9F}" type="datetime1">
               <a:rPr lang="en-US" smtClean="0"/>
-              <a:t>3/28/2021</a:t>
             </a:fld>
             <a:endParaRPr lang="en-US" dirty="0"/>
           </a:p>
@@ -2148,13 +1962,7 @@
       </p:sp>
       <p:sp>
         <p:nvSpPr>
-          <p:cNvPr id="7" name="Footer Placeholder 6">
-            <a:extLst>
-              <a:ext uri="{FF2B5EF4-FFF2-40B4-BE49-F238E27FC236}">
-                <a16:creationId xmlns:a16="http://schemas.microsoft.com/office/drawing/2014/main" id="{EED72207-24CA-42B7-A975-2F8E41CBA904}"/>
-              </a:ext>
-            </a:extLst>
-          </p:cNvPr>
+          <p:cNvPr id="7" name="Footer Placeholder 6"/>
           <p:cNvSpPr>
             <a:spLocks noGrp="1"/>
           </p:cNvSpPr>
@@ -2173,13 +1981,7 @@
       </p:sp>
       <p:sp>
         <p:nvSpPr>
-          <p:cNvPr id="8" name="Slide Number Placeholder 7">
-            <a:extLst>
-              <a:ext uri="{FF2B5EF4-FFF2-40B4-BE49-F238E27FC236}">
-                <a16:creationId xmlns:a16="http://schemas.microsoft.com/office/drawing/2014/main" id="{D01080F2-251A-4B88-9A62-16F46D724F83}"/>
-              </a:ext>
-            </a:extLst>
-          </p:cNvPr>
+          <p:cNvPr id="8" name="Slide Number Placeholder 7"/>
           <p:cNvSpPr>
             <a:spLocks noGrp="1"/>
           </p:cNvSpPr>
@@ -2194,18 +1996,12 @@
           <a:p>
             <a:fld id="{3A98EE3D-8CD1-4C3F-BD1C-C98C9596463C}" type="slidenum">
               <a:rPr lang="en-US" smtClean="0"/>
-              <a:t>‹#›</a:t>
             </a:fld>
             <a:endParaRPr lang="en-US" dirty="0"/>
           </a:p>
         </p:txBody>
       </p:sp>
     </p:spTree>
-    <p:extLst>
-      <p:ext uri="{BB962C8B-B14F-4D97-AF65-F5344CB8AC3E}">
-        <p14:creationId xmlns:p14="http://schemas.microsoft.com/office/powerpoint/2010/main" val="811860513"/>
-      </p:ext>
-    </p:extLst>
   </p:cSld>
   <p:clrMapOvr>
     <a:masterClrMapping/>
@@ -2214,7 +2010,7 @@
 </file>
 
 <file path=ppt/slideLayouts/slideLayout7.xml><?xml version="1.0" encoding="utf-8"?>
-<p:sldLayout xmlns:a="http://schemas.openxmlformats.org/drawingml/2006/main" xmlns:r="http://schemas.openxmlformats.org/officeDocument/2006/relationships" xmlns:p="http://schemas.openxmlformats.org/presentationml/2006/main" showMasterSp="0" type="blank" preserve="1">
+<p:sldLayout xmlns:a="http://schemas.openxmlformats.org/drawingml/2006/main" xmlns:r="http://schemas.openxmlformats.org/officeDocument/2006/relationships" xmlns:p="http://schemas.openxmlformats.org/presentationml/2006/main" type="blank" preserve="1" showMasterSp="0">
   <p:cSld name="Blank">
     <p:spTree>
       <p:nvGrpSpPr>
@@ -2232,13 +2028,7 @@
       </p:grpSpPr>
       <p:sp>
         <p:nvSpPr>
-          <p:cNvPr id="10" name="Rectangle 9">
-            <a:extLst>
-              <a:ext uri="{FF2B5EF4-FFF2-40B4-BE49-F238E27FC236}">
-                <a16:creationId xmlns:a16="http://schemas.microsoft.com/office/drawing/2014/main" id="{A8E9C91B-7EAD-4562-AB0E-DFB9663AECE3}"/>
-              </a:ext>
-            </a:extLst>
-          </p:cNvPr>
+          <p:cNvPr id="10" name="Rectangle 9"/>
           <p:cNvSpPr/>
           <p:nvPr/>
         </p:nvSpPr>
@@ -2276,13 +2066,7 @@
       </p:sp>
       <p:sp>
         <p:nvSpPr>
-          <p:cNvPr id="2" name="Date Placeholder 1">
-            <a:extLst>
-              <a:ext uri="{FF2B5EF4-FFF2-40B4-BE49-F238E27FC236}">
-                <a16:creationId xmlns:a16="http://schemas.microsoft.com/office/drawing/2014/main" id="{94E9223F-721F-47BF-9FD5-0F8D12FF0DE1}"/>
-              </a:ext>
-            </a:extLst>
-          </p:cNvPr>
+          <p:cNvPr id="2" name="Date Placeholder 1"/>
           <p:cNvSpPr>
             <a:spLocks noGrp="1"/>
           </p:cNvSpPr>
@@ -2297,7 +2081,6 @@
           <a:p>
             <a:fld id="{39667345-2558-425A-8533-9BFDBCE15005}" type="datetime1">
               <a:rPr lang="en-US" smtClean="0"/>
-              <a:t>3/28/2021</a:t>
             </a:fld>
             <a:endParaRPr lang="en-US" dirty="0"/>
           </a:p>
@@ -2305,13 +2088,7 @@
       </p:sp>
       <p:sp>
         <p:nvSpPr>
-          <p:cNvPr id="3" name="Footer Placeholder 2">
-            <a:extLst>
-              <a:ext uri="{FF2B5EF4-FFF2-40B4-BE49-F238E27FC236}">
-                <a16:creationId xmlns:a16="http://schemas.microsoft.com/office/drawing/2014/main" id="{05915714-6BBA-4593-8591-4E26F7D58D9F}"/>
-              </a:ext>
-            </a:extLst>
-          </p:cNvPr>
+          <p:cNvPr id="3" name="Footer Placeholder 2"/>
           <p:cNvSpPr>
             <a:spLocks noGrp="1"/>
           </p:cNvSpPr>
@@ -2330,13 +2107,7 @@
       </p:sp>
       <p:sp>
         <p:nvSpPr>
-          <p:cNvPr id="4" name="Slide Number Placeholder 3">
-            <a:extLst>
-              <a:ext uri="{FF2B5EF4-FFF2-40B4-BE49-F238E27FC236}">
-                <a16:creationId xmlns:a16="http://schemas.microsoft.com/office/drawing/2014/main" id="{BE06F857-D2E1-44DD-ABDD-EBB739645B67}"/>
-              </a:ext>
-            </a:extLst>
-          </p:cNvPr>
+          <p:cNvPr id="4" name="Slide Number Placeholder 3"/>
           <p:cNvSpPr>
             <a:spLocks noGrp="1"/>
           </p:cNvSpPr>
@@ -2351,18 +2122,12 @@
           <a:p>
             <a:fld id="{3A98EE3D-8CD1-4C3F-BD1C-C98C9596463C}" type="slidenum">
               <a:rPr lang="en-US" smtClean="0"/>
-              <a:t>‹#›</a:t>
             </a:fld>
             <a:endParaRPr lang="en-US" dirty="0"/>
           </a:p>
         </p:txBody>
       </p:sp>
     </p:spTree>
-    <p:extLst>
-      <p:ext uri="{BB962C8B-B14F-4D97-AF65-F5344CB8AC3E}">
-        <p14:creationId xmlns:p14="http://schemas.microsoft.com/office/powerpoint/2010/main" val="2001422672"/>
-      </p:ext>
-    </p:extLst>
   </p:cSld>
   <p:clrMapOvr>
     <a:masterClrMapping/>
@@ -2371,7 +2136,7 @@
 </file>
 
 <file path=ppt/slideLayouts/slideLayout8.xml><?xml version="1.0" encoding="utf-8"?>
-<p:sldLayout xmlns:a="http://schemas.openxmlformats.org/drawingml/2006/main" xmlns:r="http://schemas.openxmlformats.org/officeDocument/2006/relationships" xmlns:p="http://schemas.openxmlformats.org/presentationml/2006/main" showMasterSp="0" type="objTx" preserve="1">
+<p:sldLayout xmlns:a="http://schemas.openxmlformats.org/drawingml/2006/main" xmlns:r="http://schemas.openxmlformats.org/officeDocument/2006/relationships" xmlns:p="http://schemas.openxmlformats.org/presentationml/2006/main" type="objTx" preserve="1" showMasterSp="0">
   <p:cSld name="Content with Caption">
     <p:spTree>
       <p:nvGrpSpPr>
@@ -2389,13 +2154,7 @@
       </p:grpSpPr>
       <p:sp>
         <p:nvSpPr>
-          <p:cNvPr id="8" name="Rectangle 7">
-            <a:extLst>
-              <a:ext uri="{FF2B5EF4-FFF2-40B4-BE49-F238E27FC236}">
-                <a16:creationId xmlns:a16="http://schemas.microsoft.com/office/drawing/2014/main" id="{16D90D66-BCB9-4229-A829-628874352AC0}"/>
-              </a:ext>
-            </a:extLst>
-          </p:cNvPr>
+          <p:cNvPr id="8" name="Rectangle 7"/>
           <p:cNvSpPr/>
           <p:nvPr/>
         </p:nvSpPr>
@@ -2497,6 +2256,7 @@
               <a:rPr lang="en-US"/>
               <a:t>Click to edit Master text styles</a:t>
             </a:r>
+            <a:endParaRPr lang="en-US"/>
           </a:p>
           <a:p>
             <a:pPr lvl="1"/>
@@ -2504,6 +2264,7 @@
               <a:rPr lang="en-US"/>
               <a:t>Second level</a:t>
             </a:r>
+            <a:endParaRPr lang="en-US"/>
           </a:p>
           <a:p>
             <a:pPr lvl="2"/>
@@ -2511,6 +2272,7 @@
               <a:rPr lang="en-US"/>
               <a:t>Third level</a:t>
             </a:r>
+            <a:endParaRPr lang="en-US"/>
           </a:p>
           <a:p>
             <a:pPr lvl="3"/>
@@ -2518,6 +2280,7 @@
               <a:rPr lang="en-US"/>
               <a:t>Fourth level</a:t>
             </a:r>
+            <a:endParaRPr lang="en-US"/>
           </a:p>
           <a:p>
             <a:pPr lvl="4"/>
@@ -2597,6 +2360,7 @@
               <a:rPr lang="en-US"/>
               <a:t>Click to edit Master text styles</a:t>
             </a:r>
+            <a:endParaRPr lang="en-US"/>
           </a:p>
         </p:txBody>
       </p:sp>
@@ -2626,7 +2390,6 @@
           <a:p>
             <a:fld id="{92BEA474-078D-4E9B-9B14-09A87B19DC46}" type="datetime1">
               <a:rPr lang="en-US" smtClean="0"/>
-              <a:t>3/28/2021</a:t>
             </a:fld>
             <a:endParaRPr lang="en-US" dirty="0"/>
           </a:p>
@@ -2689,19 +2452,12 @@
           <a:p>
             <a:fld id="{3A98EE3D-8CD1-4C3F-BD1C-C98C9596463C}" type="slidenum">
               <a:rPr lang="en-US" smtClean="0"/>
-              <a:pPr/>
-              <a:t>‹#›</a:t>
             </a:fld>
             <a:endParaRPr lang="en-US" dirty="0"/>
           </a:p>
         </p:txBody>
       </p:sp>
     </p:spTree>
-    <p:extLst>
-      <p:ext uri="{BB962C8B-B14F-4D97-AF65-F5344CB8AC3E}">
-        <p14:creationId xmlns:p14="http://schemas.microsoft.com/office/powerpoint/2010/main" val="1933282235"/>
-      </p:ext>
-    </p:extLst>
   </p:cSld>
   <p:clrMapOvr>
     <a:masterClrMapping/>
@@ -2710,7 +2466,7 @@
 </file>
 
 <file path=ppt/slideLayouts/slideLayout9.xml><?xml version="1.0" encoding="utf-8"?>
-<p:sldLayout xmlns:a="http://schemas.openxmlformats.org/drawingml/2006/main" xmlns:r="http://schemas.openxmlformats.org/officeDocument/2006/relationships" xmlns:p="http://schemas.openxmlformats.org/presentationml/2006/main" showMasterSp="0" type="picTx" preserve="1">
+<p:sldLayout xmlns:a="http://schemas.openxmlformats.org/drawingml/2006/main" xmlns:r="http://schemas.openxmlformats.org/officeDocument/2006/relationships" xmlns:p="http://schemas.openxmlformats.org/presentationml/2006/main" type="picTx" preserve="1" showMasterSp="0">
   <p:cSld name="Picture with Caption">
     <p:spTree>
       <p:nvGrpSpPr>
@@ -2728,13 +2484,7 @@
       </p:grpSpPr>
       <p:sp>
         <p:nvSpPr>
-          <p:cNvPr id="8" name="Rectangle 7">
-            <a:extLst>
-              <a:ext uri="{FF2B5EF4-FFF2-40B4-BE49-F238E27FC236}">
-                <a16:creationId xmlns:a16="http://schemas.microsoft.com/office/drawing/2014/main" id="{DA134939-39C0-4522-A125-A13DFDA66490}"/>
-              </a:ext>
-            </a:extLst>
-          </p:cNvPr>
+          <p:cNvPr id="8" name="Rectangle 7"/>
           <p:cNvSpPr/>
           <p:nvPr/>
         </p:nvSpPr>
@@ -2952,6 +2702,7 @@
               <a:rPr lang="en-US"/>
               <a:t>Click to edit Master text styles</a:t>
             </a:r>
+            <a:endParaRPr lang="en-US"/>
           </a:p>
         </p:txBody>
       </p:sp>
@@ -2976,7 +2727,6 @@
           <a:p>
             <a:fld id="{4907D986-8816-4272-A432-0437A28A9828}" type="datetime1">
               <a:rPr lang="en-US" smtClean="0"/>
-              <a:t>3/28/2021</a:t>
             </a:fld>
             <a:endParaRPr lang="en-US" dirty="0"/>
           </a:p>
@@ -3024,18 +2774,12 @@
           <a:p>
             <a:fld id="{3A98EE3D-8CD1-4C3F-BD1C-C98C9596463C}" type="slidenum">
               <a:rPr lang="en-US" smtClean="0"/>
-              <a:t>‹#›</a:t>
             </a:fld>
             <a:endParaRPr lang="en-US" dirty="0"/>
           </a:p>
         </p:txBody>
       </p:sp>
     </p:spTree>
-    <p:extLst>
-      <p:ext uri="{BB962C8B-B14F-4D97-AF65-F5344CB8AC3E}">
-        <p14:creationId xmlns:p14="http://schemas.microsoft.com/office/powerpoint/2010/main" val="523267730"/>
-      </p:ext>
-    </p:extLst>
   </p:cSld>
   <p:clrMapOvr>
     <a:masterClrMapping/>
@@ -3067,13 +2811,7 @@
       </p:grpSpPr>
       <p:sp>
         <p:nvSpPr>
-          <p:cNvPr id="7" name="Rectangle 6">
-            <a:extLst>
-              <a:ext uri="{FF2B5EF4-FFF2-40B4-BE49-F238E27FC236}">
-                <a16:creationId xmlns:a16="http://schemas.microsoft.com/office/drawing/2014/main" id="{416A0E3C-60E6-4F39-BC55-5F7C224E1F7C}"/>
-              </a:ext>
-            </a:extLst>
-          </p:cNvPr>
+          <p:cNvPr id="7" name="Rectangle 6"/>
           <p:cNvSpPr/>
           <p:nvPr/>
         </p:nvSpPr>
@@ -3172,6 +2910,7 @@
               <a:rPr lang="en-US"/>
               <a:t>Click to edit Master text styles</a:t>
             </a:r>
+            <a:endParaRPr lang="en-US"/>
           </a:p>
           <a:p>
             <a:pPr lvl="1"/>
@@ -3179,6 +2918,7 @@
               <a:rPr lang="en-US"/>
               <a:t>Second level</a:t>
             </a:r>
+            <a:endParaRPr lang="en-US"/>
           </a:p>
           <a:p>
             <a:pPr lvl="2"/>
@@ -3186,6 +2926,7 @@
               <a:rPr lang="en-US"/>
               <a:t>Third level</a:t>
             </a:r>
+            <a:endParaRPr lang="en-US"/>
           </a:p>
           <a:p>
             <a:pPr lvl="3"/>
@@ -3193,6 +2934,7 @@
               <a:rPr lang="en-US"/>
               <a:t>Fourth level</a:t>
             </a:r>
+            <a:endParaRPr lang="en-US"/>
           </a:p>
           <a:p>
             <a:pPr lvl="4"/>
@@ -3237,7 +2979,6 @@
           <a:p>
             <a:fld id="{62D6E202-B606-4609-B914-27C9371A1F6D}" type="datetime1">
               <a:rPr lang="en-US" smtClean="0"/>
-              <a:t>3/28/2021</a:t>
             </a:fld>
             <a:endParaRPr lang="en-US" dirty="0"/>
           </a:p>
@@ -3311,7 +3052,6 @@
           <a:p>
             <a:fld id="{3A98EE3D-8CD1-4C3F-BD1C-C98C9596463C}" type="slidenum">
               <a:rPr lang="en-US" smtClean="0"/>
-              <a:t>‹#›</a:t>
             </a:fld>
             <a:endParaRPr lang="en-US" dirty="0"/>
           </a:p>
@@ -3319,13 +3059,7 @@
       </p:sp>
       <p:cxnSp>
         <p:nvCxnSpPr>
-          <p:cNvPr id="10" name="Straight Connector 9">
-            <a:extLst>
-              <a:ext uri="{FF2B5EF4-FFF2-40B4-BE49-F238E27FC236}">
-                <a16:creationId xmlns:a16="http://schemas.microsoft.com/office/drawing/2014/main" id="{C5025DAC-8B93-4160-B017-3A274A5828C0}"/>
-              </a:ext>
-            </a:extLst>
-          </p:cNvPr>
+          <p:cNvPr id="10" name="Straight Connector 9"/>
           <p:cNvCxnSpPr/>
           <p:nvPr/>
         </p:nvCxnSpPr>
@@ -3362,25 +3096,20 @@
         </p:style>
       </p:cxnSp>
     </p:spTree>
-    <p:extLst>
-      <p:ext uri="{BB962C8B-B14F-4D97-AF65-F5344CB8AC3E}">
-        <p14:creationId xmlns:p14="http://schemas.microsoft.com/office/powerpoint/2010/main" val="3034982234"/>
-      </p:ext>
-    </p:extLst>
   </p:cSld>
   <p:clrMap bg1="lt1" tx1="dk1" bg2="lt2" tx2="dk2" accent1="accent1" accent2="accent2" accent3="accent3" accent4="accent4" accent5="accent5" accent6="accent6" hlink="hlink" folHlink="folHlink"/>
   <p:sldLayoutIdLst>
-    <p:sldLayoutId id="2147483748" r:id="rId1"/>
-    <p:sldLayoutId id="2147483749" r:id="rId2"/>
-    <p:sldLayoutId id="2147483747" r:id="rId3"/>
-    <p:sldLayoutId id="2147483743" r:id="rId4"/>
-    <p:sldLayoutId id="2147483738" r:id="rId5"/>
-    <p:sldLayoutId id="2147483732" r:id="rId6"/>
-    <p:sldLayoutId id="2147483733" r:id="rId7"/>
-    <p:sldLayoutId id="2147483734" r:id="rId8"/>
-    <p:sldLayoutId id="2147483735" r:id="rId9"/>
-    <p:sldLayoutId id="2147483736" r:id="rId10"/>
-    <p:sldLayoutId id="2147483737" r:id="rId11"/>
+    <p:sldLayoutId id="2147483649" r:id="rId1"/>
+    <p:sldLayoutId id="2147483650" r:id="rId2"/>
+    <p:sldLayoutId id="2147483651" r:id="rId3"/>
+    <p:sldLayoutId id="2147483652" r:id="rId4"/>
+    <p:sldLayoutId id="2147483653" r:id="rId5"/>
+    <p:sldLayoutId id="2147483654" r:id="rId6"/>
+    <p:sldLayoutId id="2147483655" r:id="rId7"/>
+    <p:sldLayoutId id="2147483656" r:id="rId8"/>
+    <p:sldLayoutId id="2147483657" r:id="rId9"/>
+    <p:sldLayoutId id="2147483658" r:id="rId10"/>
+    <p:sldLayoutId id="2147483659" r:id="rId11"/>
   </p:sldLayoutIdLst>
   <p:hf sldNum="0" hdr="0" ftr="0" dt="0"/>
   <p:txStyles>
@@ -3435,7 +3164,7 @@
           <a:cs typeface="+mn-cs"/>
         </a:defRPr>
       </a:lvl1pPr>
-      <a:lvl2pPr marL="384048" indent="-182880" algn="l" defTabSz="914400" rtl="0" eaLnBrk="1" latinLnBrk="0" hangingPunct="1">
+      <a:lvl2pPr marL="384175" indent="-182880" algn="l" defTabSz="914400" rtl="0" eaLnBrk="1" latinLnBrk="0" hangingPunct="1">
         <a:lnSpc>
           <a:spcPct val="100000"/>
         </a:lnSpc>
@@ -3446,7 +3175,7 @@
           <a:spcPts val="400"/>
         </a:spcAft>
         <a:buClrTx/>
-        <a:buFont typeface="Calibri" pitchFamily="34" charset="0"/>
+        <a:buFont typeface="Calibri" panose="020F0502020204030204" pitchFamily="34" charset="0"/>
         <a:buChar char="◦"/>
         <a:defRPr sz="1700" kern="1200">
           <a:solidFill>
@@ -3460,7 +3189,7 @@
           <a:cs typeface="+mn-cs"/>
         </a:defRPr>
       </a:lvl2pPr>
-      <a:lvl3pPr marL="566928" indent="-182880" algn="l" defTabSz="914400" rtl="0" eaLnBrk="1" latinLnBrk="0" hangingPunct="1">
+      <a:lvl3pPr marL="567055" indent="-182880" algn="l" defTabSz="914400" rtl="0" eaLnBrk="1" latinLnBrk="0" hangingPunct="1">
         <a:lnSpc>
           <a:spcPct val="100000"/>
         </a:lnSpc>
@@ -3471,7 +3200,7 @@
           <a:spcPts val="400"/>
         </a:spcAft>
         <a:buClrTx/>
-        <a:buFont typeface="Calibri" pitchFamily="34" charset="0"/>
+        <a:buFont typeface="Calibri" panose="020F0502020204030204" pitchFamily="34" charset="0"/>
         <a:buChar char="◦"/>
         <a:defRPr sz="1300" kern="1200">
           <a:solidFill>
@@ -3485,7 +3214,7 @@
           <a:cs typeface="+mn-cs"/>
         </a:defRPr>
       </a:lvl3pPr>
-      <a:lvl4pPr marL="749808" indent="-182880" algn="l" defTabSz="914400" rtl="0" eaLnBrk="1" latinLnBrk="0" hangingPunct="1">
+      <a:lvl4pPr marL="749935" indent="-182880" algn="l" defTabSz="914400" rtl="0" eaLnBrk="1" latinLnBrk="0" hangingPunct="1">
         <a:lnSpc>
           <a:spcPct val="100000"/>
         </a:lnSpc>
@@ -3496,7 +3225,7 @@
           <a:spcPts val="400"/>
         </a:spcAft>
         <a:buClrTx/>
-        <a:buFont typeface="Calibri" pitchFamily="34" charset="0"/>
+        <a:buFont typeface="Calibri" panose="020F0502020204030204" pitchFamily="34" charset="0"/>
         <a:buChar char="◦"/>
         <a:defRPr sz="1300" kern="1200">
           <a:solidFill>
@@ -3510,7 +3239,7 @@
           <a:cs typeface="+mn-cs"/>
         </a:defRPr>
       </a:lvl4pPr>
-      <a:lvl5pPr marL="932688" indent="-182880" algn="l" defTabSz="914400" rtl="0" eaLnBrk="1" latinLnBrk="0" hangingPunct="1">
+      <a:lvl5pPr marL="932815" indent="-182880" algn="l" defTabSz="914400" rtl="0" eaLnBrk="1" latinLnBrk="0" hangingPunct="1">
         <a:lnSpc>
           <a:spcPct val="100000"/>
         </a:lnSpc>
@@ -3521,7 +3250,7 @@
           <a:spcPts val="400"/>
         </a:spcAft>
         <a:buClrTx/>
-        <a:buFont typeface="Calibri" pitchFamily="34" charset="0"/>
+        <a:buFont typeface="Calibri" panose="020F0502020204030204" pitchFamily="34" charset="0"/>
         <a:buChar char="◦"/>
         <a:defRPr sz="1300" kern="1200">
           <a:solidFill>
@@ -3535,7 +3264,7 @@
           <a:cs typeface="+mn-cs"/>
         </a:defRPr>
       </a:lvl5pPr>
-      <a:lvl6pPr marL="1100000" indent="-228600" algn="l" defTabSz="914400" rtl="0" eaLnBrk="1" latinLnBrk="0" hangingPunct="1">
+      <a:lvl6pPr marL="1099820" indent="-228600" algn="l" defTabSz="914400" rtl="0" eaLnBrk="1" latinLnBrk="0" hangingPunct="1">
         <a:lnSpc>
           <a:spcPct val="90000"/>
         </a:lnSpc>
@@ -3548,7 +3277,7 @@
         <a:buClr>
           <a:schemeClr val="accent1"/>
         </a:buClr>
-        <a:buFont typeface="Calibri" pitchFamily="34" charset="0"/>
+        <a:buFont typeface="Calibri" panose="020F0502020204030204" pitchFamily="34" charset="0"/>
         <a:buChar char="◦"/>
         <a:defRPr sz="1400" kern="1200">
           <a:solidFill>
@@ -3562,7 +3291,7 @@
           <a:cs typeface="+mn-cs"/>
         </a:defRPr>
       </a:lvl6pPr>
-      <a:lvl7pPr marL="1300000" indent="-228600" algn="l" defTabSz="914400" rtl="0" eaLnBrk="1" latinLnBrk="0" hangingPunct="1">
+      <a:lvl7pPr marL="1299845" indent="-228600" algn="l" defTabSz="914400" rtl="0" eaLnBrk="1" latinLnBrk="0" hangingPunct="1">
         <a:lnSpc>
           <a:spcPct val="90000"/>
         </a:lnSpc>
@@ -3575,7 +3304,7 @@
         <a:buClr>
           <a:schemeClr val="accent1"/>
         </a:buClr>
-        <a:buFont typeface="Calibri" pitchFamily="34" charset="0"/>
+        <a:buFont typeface="Calibri" panose="020F0502020204030204" pitchFamily="34" charset="0"/>
         <a:buChar char="◦"/>
         <a:defRPr sz="1400" kern="1200">
           <a:solidFill>
@@ -3589,7 +3318,7 @@
           <a:cs typeface="+mn-cs"/>
         </a:defRPr>
       </a:lvl7pPr>
-      <a:lvl8pPr marL="1500000" indent="-228600" algn="l" defTabSz="914400" rtl="0" eaLnBrk="1" latinLnBrk="0" hangingPunct="1">
+      <a:lvl8pPr marL="1499870" indent="-228600" algn="l" defTabSz="914400" rtl="0" eaLnBrk="1" latinLnBrk="0" hangingPunct="1">
         <a:lnSpc>
           <a:spcPct val="90000"/>
         </a:lnSpc>
@@ -3602,7 +3331,7 @@
         <a:buClr>
           <a:schemeClr val="accent1"/>
         </a:buClr>
-        <a:buFont typeface="Calibri" pitchFamily="34" charset="0"/>
+        <a:buFont typeface="Calibri" panose="020F0502020204030204" pitchFamily="34" charset="0"/>
         <a:buChar char="◦"/>
         <a:defRPr sz="1400" kern="1200">
           <a:solidFill>
@@ -3616,7 +3345,7 @@
           <a:cs typeface="+mn-cs"/>
         </a:defRPr>
       </a:lvl8pPr>
-      <a:lvl9pPr marL="1700000" indent="-228600" algn="l" defTabSz="914400" rtl="0" eaLnBrk="1" latinLnBrk="0" hangingPunct="1">
+      <a:lvl9pPr marL="1699895" indent="-228600" algn="l" defTabSz="914400" rtl="0" eaLnBrk="1" latinLnBrk="0" hangingPunct="1">
         <a:lnSpc>
           <a:spcPct val="90000"/>
         </a:lnSpc>
@@ -3629,7 +3358,7 @@
         <a:buClr>
           <a:schemeClr val="accent1"/>
         </a:buClr>
-        <a:buFont typeface="Calibri" pitchFamily="34" charset="0"/>
+        <a:buFont typeface="Calibri" panose="020F0502020204030204" pitchFamily="34" charset="0"/>
         <a:buChar char="◦"/>
         <a:defRPr sz="1400" kern="1200">
           <a:solidFill>
@@ -3770,26 +3499,11 @@
       </p:grpSpPr>
       <p:sp useBgFill="1">
         <p:nvSpPr>
-          <p:cNvPr id="22" name="Rectangle 21">
-            <a:extLst>
-              <a:ext uri="{FF2B5EF4-FFF2-40B4-BE49-F238E27FC236}">
-                <a16:creationId xmlns:a16="http://schemas.microsoft.com/office/drawing/2014/main" id="{A9286AD2-18A9-4868-A4E3-7A2097A20810}"/>
-              </a:ext>
-              <a:ext uri="{C183D7F6-B498-43B3-948B-1728B52AA6E4}">
-                <adec:decorative xmlns:adec="http://schemas.microsoft.com/office/drawing/2017/decorative" val="1"/>
-              </a:ext>
-            </a:extLst>
-          </p:cNvPr>
+          <p:cNvPr id="22" name="Rectangle 21"/>
           <p:cNvSpPr>
             <a:spLocks noGrp="1" noRot="1" noChangeAspect="1" noMove="1" noResize="1" noEditPoints="1" noAdjustHandles="1" noChangeArrowheads="1" noChangeShapeType="1" noTextEdit="1"/>
           </p:cNvSpPr>
-          <p:nvPr>
-            <p:extLst>
-              <p:ext uri="{386F3935-93C4-4BCD-93E2-E3B085C9AB24}">
-                <p16:designElem xmlns:p16="http://schemas.microsoft.com/office/powerpoint/2015/main" val="1"/>
-              </p:ext>
-            </p:extLst>
-          </p:nvPr>
+          <p:nvPr/>
         </p:nvSpPr>
         <p:spPr>
           <a:xfrm>
@@ -3830,13 +3544,7 @@
       </p:sp>
       <p:sp>
         <p:nvSpPr>
-          <p:cNvPr id="2" name="Title 1">
-            <a:extLst>
-              <a:ext uri="{FF2B5EF4-FFF2-40B4-BE49-F238E27FC236}">
-                <a16:creationId xmlns:a16="http://schemas.microsoft.com/office/drawing/2014/main" id="{78FD68DA-43BA-4508-8DE2-BA9BB7B2FA5B}"/>
-              </a:ext>
-            </a:extLst>
-          </p:cNvPr>
+          <p:cNvPr id="2" name="Title 1"/>
           <p:cNvSpPr>
             <a:spLocks noGrp="1"/>
           </p:cNvSpPr>
@@ -3869,13 +3577,7 @@
       </p:sp>
       <p:sp>
         <p:nvSpPr>
-          <p:cNvPr id="3" name="Subtitle 2">
-            <a:extLst>
-              <a:ext uri="{FF2B5EF4-FFF2-40B4-BE49-F238E27FC236}">
-                <a16:creationId xmlns:a16="http://schemas.microsoft.com/office/drawing/2014/main" id="{A8E9CFF2-3777-4FF4-A759-8491175B0B7C}"/>
-              </a:ext>
-            </a:extLst>
-          </p:cNvPr>
+          <p:cNvPr id="3" name="Subtitle 2"/>
           <p:cNvSpPr>
             <a:spLocks noGrp="1"/>
           </p:cNvSpPr>
@@ -3917,6 +3619,14 @@
               </a:rPr>
               <a:t> </a:t>
             </a:r>
+            <a:endParaRPr lang="en-US" dirty="0">
+              <a:solidFill>
+                <a:schemeClr val="tx1">
+                  <a:lumMod val="85000"/>
+                  <a:lumOff val="15000"/>
+                </a:schemeClr>
+              </a:solidFill>
+            </a:endParaRPr>
           </a:p>
           <a:p>
             <a:r>
@@ -3952,6 +3662,14 @@
               </a:rPr>
               <a:t>    </a:t>
             </a:r>
+            <a:endParaRPr lang="en-US" sz="1400" dirty="0">
+              <a:solidFill>
+                <a:schemeClr val="tx1">
+                  <a:lumMod val="85000"/>
+                  <a:lumOff val="15000"/>
+                </a:schemeClr>
+              </a:solidFill>
+            </a:endParaRPr>
           </a:p>
           <a:p>
             <a:r>
@@ -3965,6 +3683,14 @@
               </a:rPr>
               <a:t>JIAWEI GAO z5242283     </a:t>
             </a:r>
+            <a:endParaRPr lang="en-US" sz="1400" dirty="0">
+              <a:solidFill>
+                <a:schemeClr val="tx1">
+                  <a:lumMod val="85000"/>
+                  <a:lumOff val="15000"/>
+                </a:schemeClr>
+              </a:solidFill>
+            </a:endParaRPr>
           </a:p>
           <a:p>
             <a:r>
@@ -3978,6 +3704,14 @@
               </a:rPr>
               <a:t>ZHOU YUNTAO ZID</a:t>
             </a:r>
+            <a:endParaRPr lang="en-US" sz="1400" dirty="0">
+              <a:solidFill>
+                <a:schemeClr val="tx1">
+                  <a:lumMod val="85000"/>
+                  <a:lumOff val="15000"/>
+                </a:schemeClr>
+              </a:solidFill>
+            </a:endParaRPr>
           </a:p>
           <a:p>
             <a:endParaRPr lang="en-US" sz="1600" dirty="0">
@@ -3993,20 +3727,14 @@
       </p:sp>
       <p:pic>
         <p:nvPicPr>
-          <p:cNvPr id="5" name="Picture 4" descr="A picture containing building, sitting, bench, side&#10;&#10;Description automatically generated">
-            <a:extLst>
-              <a:ext uri="{FF2B5EF4-FFF2-40B4-BE49-F238E27FC236}">
-                <a16:creationId xmlns:a16="http://schemas.microsoft.com/office/drawing/2014/main" id="{282CF6DD-7FE8-4063-9551-1B7BBCE92ABE}"/>
-              </a:ext>
-            </a:extLst>
-          </p:cNvPr>
+          <p:cNvPr id="5" name="Picture 4" descr="A picture containing building, sitting, bench, side&#10;&#10;Description automatically generated"/>
           <p:cNvPicPr>
             <a:picLocks noChangeAspect="1"/>
           </p:cNvPicPr>
           <p:nvPr/>
         </p:nvPicPr>
         <p:blipFill rotWithShape="1">
-          <a:blip r:embed="rId2">
+          <a:blip r:embed="rId1">
             <a:extLst>
               <a:ext uri="{28A0092B-C50C-407E-A947-70E740481C1C}">
                 <a14:useLocalDpi xmlns:a14="http://schemas.microsoft.com/office/drawing/2010/main" val="0"/>
@@ -4014,7 +3742,9 @@
             </a:extLst>
           </a:blip>
           <a:srcRect/>
-          <a:stretch/>
+          <a:stretch>
+            <a:fillRect/>
+          </a:stretch>
         </p:blipFill>
         <p:spPr>
           <a:xfrm>
@@ -4028,26 +3758,11 @@
       </p:pic>
       <p:cxnSp>
         <p:nvCxnSpPr>
-          <p:cNvPr id="24" name="Straight Connector 23">
-            <a:extLst>
-              <a:ext uri="{FF2B5EF4-FFF2-40B4-BE49-F238E27FC236}">
-                <a16:creationId xmlns:a16="http://schemas.microsoft.com/office/drawing/2014/main" id="{E7A7CD63-7EC3-44F3-95D0-595C4019FF24}"/>
-              </a:ext>
-              <a:ext uri="{C183D7F6-B498-43B3-948B-1728B52AA6E4}">
-                <adec:decorative xmlns:adec="http://schemas.microsoft.com/office/drawing/2017/decorative" val="1"/>
-              </a:ext>
-            </a:extLst>
-          </p:cNvPr>
+          <p:cNvPr id="24" name="Straight Connector 23"/>
           <p:cNvCxnSpPr>
             <a:cxnSpLocks noGrp="1" noRot="1" noChangeAspect="1" noMove="1" noResize="1" noEditPoints="1" noAdjustHandles="1" noChangeArrowheads="1" noChangeShapeType="1"/>
           </p:cNvCxnSpPr>
-          <p:nvPr>
-            <p:extLst>
-              <p:ext uri="{386F3935-93C4-4BCD-93E2-E3B085C9AB24}">
-                <p16:designElem xmlns:p16="http://schemas.microsoft.com/office/powerpoint/2015/main" val="1"/>
-              </p:ext>
-            </p:extLst>
-          </p:nvPr>
+          <p:nvPr/>
         </p:nvCxnSpPr>
         <p:spPr>
           <a:xfrm>
@@ -4082,11 +3797,6 @@
         </p:style>
       </p:cxnSp>
     </p:spTree>
-    <p:extLst>
-      <p:ext uri="{BB962C8B-B14F-4D97-AF65-F5344CB8AC3E}">
-        <p14:creationId xmlns:p14="http://schemas.microsoft.com/office/powerpoint/2010/main" val="4043737824"/>
-      </p:ext>
-    </p:extLst>
   </p:cSld>
   <p:clrMapOvr>
     <a:masterClrMapping/>
@@ -4121,26 +3831,11 @@
       </p:grpSpPr>
       <p:sp>
         <p:nvSpPr>
-          <p:cNvPr id="47" name="Rectangle 46">
-            <a:extLst>
-              <a:ext uri="{FF2B5EF4-FFF2-40B4-BE49-F238E27FC236}">
-                <a16:creationId xmlns:a16="http://schemas.microsoft.com/office/drawing/2014/main" id="{FBDCECDC-EEE3-4128-AA5E-82A8C08796E8}"/>
-              </a:ext>
-              <a:ext uri="{C183D7F6-B498-43B3-948B-1728B52AA6E4}">
-                <adec:decorative xmlns:adec="http://schemas.microsoft.com/office/drawing/2017/decorative" val="1"/>
-              </a:ext>
-            </a:extLst>
-          </p:cNvPr>
+          <p:cNvPr id="47" name="Rectangle 46"/>
           <p:cNvSpPr>
             <a:spLocks noGrp="1" noRot="1" noChangeAspect="1" noMove="1" noResize="1" noEditPoints="1" noAdjustHandles="1" noChangeArrowheads="1" noChangeShapeType="1" noTextEdit="1"/>
           </p:cNvSpPr>
-          <p:nvPr>
-            <p:extLst>
-              <p:ext uri="{386F3935-93C4-4BCD-93E2-E3B085C9AB24}">
-                <p16:designElem xmlns:p16="http://schemas.microsoft.com/office/powerpoint/2015/main" val="1"/>
-              </p:ext>
-            </p:extLst>
-          </p:nvPr>
+          <p:nvPr/>
         </p:nvSpPr>
         <p:spPr>
           <a:xfrm>
@@ -4184,13 +3879,7 @@
       </p:sp>
       <p:sp>
         <p:nvSpPr>
-          <p:cNvPr id="2" name="Title 1">
-            <a:extLst>
-              <a:ext uri="{FF2B5EF4-FFF2-40B4-BE49-F238E27FC236}">
-                <a16:creationId xmlns:a16="http://schemas.microsoft.com/office/drawing/2014/main" id="{9AB2EA78-AEB3-469B-9025-3B17201A457B}"/>
-              </a:ext>
-            </a:extLst>
-          </p:cNvPr>
+          <p:cNvPr id="2" name="Title 1"/>
           <p:cNvSpPr>
             <a:spLocks noGrp="1"/>
           </p:cNvSpPr>
@@ -4219,31 +3908,21 @@
               </a:rPr>
               <a:t>DIMY is a secure protocol that implements the privacy sharing mechanism in both client-end and the server-end which can be leveraged for contact tracing!</a:t>
             </a:r>
-          </a:p>
-        </p:txBody>
-      </p:sp>
-      <p:sp>
-        <p:nvSpPr>
-          <p:cNvPr id="49" name="Rectangle 48">
-            <a:extLst>
-              <a:ext uri="{FF2B5EF4-FFF2-40B4-BE49-F238E27FC236}">
-                <a16:creationId xmlns:a16="http://schemas.microsoft.com/office/drawing/2014/main" id="{4260EDE0-989C-4E16-AF94-F652294D828E}"/>
-              </a:ext>
-              <a:ext uri="{C183D7F6-B498-43B3-948B-1728B52AA6E4}">
-                <adec:decorative xmlns:adec="http://schemas.microsoft.com/office/drawing/2017/decorative" val="1"/>
-              </a:ext>
-            </a:extLst>
-          </p:cNvPr>
+            <a:endParaRPr lang="en-US" sz="4800" i="1" dirty="0">
+              <a:solidFill>
+                <a:srgbClr val="FFFFFF"/>
+              </a:solidFill>
+            </a:endParaRPr>
+          </a:p>
+        </p:txBody>
+      </p:sp>
+      <p:sp>
+        <p:nvSpPr>
+          <p:cNvPr id="49" name="Rectangle 48"/>
           <p:cNvSpPr>
             <a:spLocks noGrp="1" noRot="1" noChangeAspect="1" noMove="1" noResize="1" noEditPoints="1" noAdjustHandles="1" noChangeArrowheads="1" noChangeShapeType="1" noTextEdit="1"/>
           </p:cNvSpPr>
-          <p:nvPr>
-            <p:extLst>
-              <p:ext uri="{386F3935-93C4-4BCD-93E2-E3B085C9AB24}">
-                <p16:designElem xmlns:p16="http://schemas.microsoft.com/office/powerpoint/2015/main" val="1"/>
-              </p:ext>
-            </p:extLst>
-          </p:nvPr>
+          <p:nvPr/>
         </p:nvSpPr>
         <p:spPr bwMode="white">
           <a:xfrm>
@@ -4279,13 +3958,7 @@
       </p:sp>
       <p:sp>
         <p:nvSpPr>
-          <p:cNvPr id="3" name="Subtitle 2">
-            <a:extLst>
-              <a:ext uri="{FF2B5EF4-FFF2-40B4-BE49-F238E27FC236}">
-                <a16:creationId xmlns:a16="http://schemas.microsoft.com/office/drawing/2014/main" id="{255E1F2F-E259-4EA8-9FFD-3A10AF541859}"/>
-              </a:ext>
-            </a:extLst>
-          </p:cNvPr>
+          <p:cNvPr id="3" name="Subtitle 2"/>
           <p:cNvSpPr>
             <a:spLocks noGrp="1"/>
           </p:cNvSpPr>
@@ -4317,6 +3990,11 @@
               </a:rPr>
               <a:t>The DIMY protocol-based contact tracing system has three mean components: A PRIVACY Generating component, A privacy SHARING component  and a privacy storage component.</a:t>
             </a:r>
+            <a:endParaRPr lang="en-US" dirty="0">
+              <a:solidFill>
+                <a:srgbClr val="FFFFFF"/>
+              </a:solidFill>
+            </a:endParaRPr>
           </a:p>
           <a:p>
             <a:pPr marL="342900" indent="-342900">
@@ -4332,11 +4010,6 @@
         </p:txBody>
       </p:sp>
     </p:spTree>
-    <p:extLst>
-      <p:ext uri="{BB962C8B-B14F-4D97-AF65-F5344CB8AC3E}">
-        <p14:creationId xmlns:p14="http://schemas.microsoft.com/office/powerpoint/2010/main" val="191714609"/>
-      </p:ext>
-    </p:extLst>
   </p:cSld>
   <p:clrMapOvr>
     <a:masterClrMapping/>
@@ -4363,13 +4036,7 @@
       </p:grpSpPr>
       <p:sp>
         <p:nvSpPr>
-          <p:cNvPr id="2" name="Title 1">
-            <a:extLst>
-              <a:ext uri="{FF2B5EF4-FFF2-40B4-BE49-F238E27FC236}">
-                <a16:creationId xmlns:a16="http://schemas.microsoft.com/office/drawing/2014/main" id="{0DBE2AE2-AFFB-4E45-8EA6-124CC7BC3121}"/>
-              </a:ext>
-            </a:extLst>
-          </p:cNvPr>
+          <p:cNvPr id="2" name="Title 1"/>
           <p:cNvSpPr>
             <a:spLocks noGrp="1"/>
           </p:cNvSpPr>
@@ -4386,18 +4053,13 @@
               <a:rPr lang="en-US" dirty="0"/>
               <a:t>PRIVACY GENERATION COMPONENT</a:t>
             </a:r>
-          </a:p>
-        </p:txBody>
-      </p:sp>
-      <p:sp>
-        <p:nvSpPr>
-          <p:cNvPr id="3" name="Content Placeholder 2">
-            <a:extLst>
-              <a:ext uri="{FF2B5EF4-FFF2-40B4-BE49-F238E27FC236}">
-                <a16:creationId xmlns:a16="http://schemas.microsoft.com/office/drawing/2014/main" id="{4F0F853F-9D56-4CBD-B0FB-C890FBED6399}"/>
-              </a:ext>
-            </a:extLst>
-          </p:cNvPr>
+            <a:endParaRPr lang="en-US" dirty="0"/>
+          </a:p>
+        </p:txBody>
+      </p:sp>
+      <p:sp>
+        <p:nvSpPr>
+          <p:cNvPr id="3" name="Content Placeholder 2"/>
           <p:cNvSpPr>
             <a:spLocks noGrp="1"/>
           </p:cNvSpPr>
@@ -4432,6 +4094,7 @@
               <a:rPr lang="en-US" sz="2000" dirty="0"/>
               <a:t>.</a:t>
             </a:r>
+            <a:endParaRPr lang="en-US" sz="2000" dirty="0"/>
           </a:p>
           <a:p>
             <a:r>
@@ -4454,6 +4117,7 @@
               <a:rPr lang="en-US" sz="2000" dirty="0"/>
               <a:t> represents the different devices or the owner of the device in the context of real life.</a:t>
             </a:r>
+            <a:endParaRPr lang="en-US" sz="2000" dirty="0"/>
           </a:p>
           <a:p>
             <a:r>
@@ -4464,6 +4128,7 @@
               <a:rPr lang="en-US" sz="2000" dirty="0"/>
               <a:t> A random number generator + Diffie-Hellman key exchange algorithm (Finite cyclic groups will be used for choosing a base),</a:t>
             </a:r>
+            <a:endParaRPr lang="en-US" sz="2000" dirty="0"/>
           </a:p>
           <a:p>
             <a:r>
@@ -4474,15 +4139,11 @@
               <a:rPr lang="en-US" sz="2000" dirty="0"/>
               <a:t> A good mechanism for key distribution. And a good approach to represent close contact.</a:t>
             </a:r>
+            <a:endParaRPr lang="en-US" sz="2000" dirty="0"/>
           </a:p>
         </p:txBody>
       </p:sp>
     </p:spTree>
-    <p:extLst>
-      <p:ext uri="{BB962C8B-B14F-4D97-AF65-F5344CB8AC3E}">
-        <p14:creationId xmlns:p14="http://schemas.microsoft.com/office/powerpoint/2010/main" val="3741551935"/>
-      </p:ext>
-    </p:extLst>
   </p:cSld>
   <p:clrMapOvr>
     <a:masterClrMapping/>
@@ -4509,13 +4170,7 @@
       </p:grpSpPr>
       <p:sp>
         <p:nvSpPr>
-          <p:cNvPr id="2" name="Title 1">
-            <a:extLst>
-              <a:ext uri="{FF2B5EF4-FFF2-40B4-BE49-F238E27FC236}">
-                <a16:creationId xmlns:a16="http://schemas.microsoft.com/office/drawing/2014/main" id="{CA075A82-7895-4472-8436-4DC830908FA2}"/>
-              </a:ext>
-            </a:extLst>
-          </p:cNvPr>
+          <p:cNvPr id="2" name="Title 1"/>
           <p:cNvSpPr>
             <a:spLocks noGrp="1"/>
           </p:cNvSpPr>
@@ -4539,18 +4194,13 @@
               <a:rPr lang="en-US" dirty="0"/>
               <a:t>COMPONENT</a:t>
             </a:r>
-          </a:p>
-        </p:txBody>
-      </p:sp>
-      <p:sp>
-        <p:nvSpPr>
-          <p:cNvPr id="3" name="Content Placeholder 2">
-            <a:extLst>
-              <a:ext uri="{FF2B5EF4-FFF2-40B4-BE49-F238E27FC236}">
-                <a16:creationId xmlns:a16="http://schemas.microsoft.com/office/drawing/2014/main" id="{323370C9-15E1-4A17-A4C4-5D76F31D5979}"/>
-              </a:ext>
-            </a:extLst>
-          </p:cNvPr>
+            <a:endParaRPr lang="en-US" dirty="0"/>
+          </a:p>
+        </p:txBody>
+      </p:sp>
+      <p:sp>
+        <p:nvSpPr>
+          <p:cNvPr id="3" name="Content Placeholder 2"/>
           <p:cNvSpPr>
             <a:spLocks noGrp="1"/>
           </p:cNvSpPr>
@@ -4578,6 +4228,7 @@
               <a:rPr lang="en-US" sz="1800" dirty="0"/>
               <a:t>The privacy sharing component resides on the client-side as well. </a:t>
             </a:r>
+            <a:endParaRPr lang="en-US" sz="1800" dirty="0"/>
           </a:p>
           <a:p>
             <a:r>
@@ -4600,6 +4251,7 @@
               <a:rPr lang="en-US" sz="1800" dirty="0"/>
               <a:t>.</a:t>
             </a:r>
+            <a:endParaRPr lang="en-US" sz="1800" dirty="0"/>
           </a:p>
           <a:p>
             <a:r>
@@ -4622,6 +4274,7 @@
               <a:rPr lang="en-US" sz="1800" dirty="0"/>
               <a:t>. </a:t>
             </a:r>
+            <a:endParaRPr lang="en-US" sz="1800" dirty="0"/>
           </a:p>
           <a:p>
             <a:r>
@@ -4644,15 +4297,11 @@
               <a:rPr lang="en-US" sz="1800" dirty="0"/>
               <a:t>. To achieve integrity, the hash value of the secret can be shared as well.</a:t>
             </a:r>
+            <a:endParaRPr lang="en-US" sz="1800" dirty="0"/>
           </a:p>
         </p:txBody>
       </p:sp>
     </p:spTree>
-    <p:extLst>
-      <p:ext uri="{BB962C8B-B14F-4D97-AF65-F5344CB8AC3E}">
-        <p14:creationId xmlns:p14="http://schemas.microsoft.com/office/powerpoint/2010/main" val="2621180146"/>
-      </p:ext>
-    </p:extLst>
   </p:cSld>
   <p:clrMapOvr>
     <a:masterClrMapping/>
@@ -4679,13 +4328,7 @@
       </p:grpSpPr>
       <p:sp>
         <p:nvSpPr>
-          <p:cNvPr id="2" name="Title 1">
-            <a:extLst>
-              <a:ext uri="{FF2B5EF4-FFF2-40B4-BE49-F238E27FC236}">
-                <a16:creationId xmlns:a16="http://schemas.microsoft.com/office/drawing/2014/main" id="{293E357B-A5DB-49EC-9977-DA6DD98DD28E}"/>
-              </a:ext>
-            </a:extLst>
-          </p:cNvPr>
+          <p:cNvPr id="2" name="Title 1"/>
           <p:cNvSpPr>
             <a:spLocks noGrp="1"/>
           </p:cNvSpPr>
@@ -4709,18 +4352,13 @@
               <a:rPr lang="en-US" dirty="0"/>
               <a:t>COMPONENT</a:t>
             </a:r>
-          </a:p>
-        </p:txBody>
-      </p:sp>
-      <p:sp>
-        <p:nvSpPr>
-          <p:cNvPr id="3" name="Content Placeholder 2">
-            <a:extLst>
-              <a:ext uri="{FF2B5EF4-FFF2-40B4-BE49-F238E27FC236}">
-                <a16:creationId xmlns:a16="http://schemas.microsoft.com/office/drawing/2014/main" id="{85AFBD2A-02E6-4DEB-9CBB-FFFC1684BB3C}"/>
-              </a:ext>
-            </a:extLst>
-          </p:cNvPr>
+            <a:endParaRPr lang="en-US" dirty="0"/>
+          </a:p>
+        </p:txBody>
+      </p:sp>
+      <p:sp>
+        <p:nvSpPr>
+          <p:cNvPr id="3" name="Content Placeholder 2"/>
           <p:cNvSpPr>
             <a:spLocks noGrp="1"/>
           </p:cNvSpPr>
@@ -4758,6 +4396,7 @@
               <a:rPr lang="en-US" dirty="0"/>
               <a:t> Providing an approach to efficiently and rapidly trace the contact, maintain fast and efficient storage, as well as the query mechanism.</a:t>
             </a:r>
+            <a:endParaRPr lang="en-US" dirty="0"/>
           </a:p>
           <a:p>
             <a:r>
@@ -4792,6 +4431,7 @@
               <a:rPr lang="en-US" dirty="0"/>
               <a:t> data structure can be used for keeping record on the server or performing fast query lookup on the sever.</a:t>
             </a:r>
+            <a:endParaRPr lang="en-US" dirty="0"/>
           </a:p>
           <a:p>
             <a:r>
@@ -4826,15 +4466,11 @@
               <a:rPr lang="en-US" dirty="0"/>
               <a:t>.</a:t>
             </a:r>
+            <a:endParaRPr lang="en-US" dirty="0"/>
           </a:p>
         </p:txBody>
       </p:sp>
     </p:spTree>
-    <p:extLst>
-      <p:ext uri="{BB962C8B-B14F-4D97-AF65-F5344CB8AC3E}">
-        <p14:creationId xmlns:p14="http://schemas.microsoft.com/office/powerpoint/2010/main" val="1379153383"/>
-      </p:ext>
-    </p:extLst>
   </p:cSld>
   <p:clrMapOvr>
     <a:masterClrMapping/>
@@ -4861,13 +4497,7 @@
       </p:grpSpPr>
       <p:sp>
         <p:nvSpPr>
-          <p:cNvPr id="2" name="Title 1">
-            <a:extLst>
-              <a:ext uri="{FF2B5EF4-FFF2-40B4-BE49-F238E27FC236}">
-                <a16:creationId xmlns:a16="http://schemas.microsoft.com/office/drawing/2014/main" id="{E7F06852-C310-432D-B9DD-0ADEF08EC871}"/>
-              </a:ext>
-            </a:extLst>
-          </p:cNvPr>
+          <p:cNvPr id="2" name="Title 1"/>
           <p:cNvSpPr>
             <a:spLocks noGrp="1"/>
           </p:cNvSpPr>
@@ -4895,18 +4525,17 @@
               </a:rPr>
               <a:t>Tracing System Architecture</a:t>
             </a:r>
-          </a:p>
-        </p:txBody>
-      </p:sp>
-      <p:sp>
-        <p:nvSpPr>
-          <p:cNvPr id="16" name="TextBox 15">
-            <a:extLst>
-              <a:ext uri="{FF2B5EF4-FFF2-40B4-BE49-F238E27FC236}">
-                <a16:creationId xmlns:a16="http://schemas.microsoft.com/office/drawing/2014/main" id="{C75AA719-4C67-449D-96ED-893B74FC4A2D}"/>
-              </a:ext>
-            </a:extLst>
-          </p:cNvPr>
+            <a:endParaRPr lang="en-US" i="0" kern="1200" spc="-50" baseline="0" dirty="0">
+              <a:latin typeface="+mj-lt"/>
+              <a:ea typeface="+mj-ea"/>
+              <a:cs typeface="+mj-cs"/>
+            </a:endParaRPr>
+          </a:p>
+        </p:txBody>
+      </p:sp>
+      <p:sp>
+        <p:nvSpPr>
+          <p:cNvPr id="16" name="TextBox 15"/>
           <p:cNvSpPr txBox="1"/>
           <p:nvPr/>
         </p:nvSpPr>
@@ -4942,6 +4571,14 @@
               </a:rPr>
               <a:t>The figure on the right shows the architecture of the entire tracing system. </a:t>
             </a:r>
+            <a:endParaRPr lang="en-US" sz="1900" dirty="0">
+              <a:solidFill>
+                <a:schemeClr val="tx1">
+                  <a:lumMod val="75000"/>
+                  <a:lumOff val="25000"/>
+                </a:schemeClr>
+              </a:solidFill>
+            </a:endParaRPr>
           </a:p>
           <a:p>
             <a:pPr>
@@ -4961,6 +4598,14 @@
               </a:rPr>
               <a:t>The client apps communicate with other client apps using UDP protocol. The privacy generating and sharing components are used for generating and sharing the ID of the client.</a:t>
             </a:r>
+            <a:endParaRPr lang="en-US" sz="1900" dirty="0">
+              <a:solidFill>
+                <a:schemeClr val="tx1">
+                  <a:lumMod val="75000"/>
+                  <a:lumOff val="25000"/>
+                </a:schemeClr>
+              </a:solidFill>
+            </a:endParaRPr>
           </a:p>
           <a:p>
             <a:pPr>
@@ -4980,6 +4625,14 @@
               </a:rPr>
               <a:t>The privacy storage component handles the ID storage of those clients who had close contact with the current client. The data will be stored in a Bloom Filter data structure for easily uploading to or querying the server.</a:t>
             </a:r>
+            <a:endParaRPr lang="en-US" sz="1900" dirty="0">
+              <a:solidFill>
+                <a:schemeClr val="tx1">
+                  <a:lumMod val="75000"/>
+                  <a:lumOff val="25000"/>
+                </a:schemeClr>
+              </a:solidFill>
+            </a:endParaRPr>
           </a:p>
           <a:p>
             <a:pPr>
@@ -4999,25 +4652,27 @@
               </a:rPr>
               <a:t>The server app maintains the CBF data uploaded by the client and handles the query request from the client. The communication between Client and Server is based on HTTPS on top of TCP protocol.</a:t>
             </a:r>
+            <a:endParaRPr lang="en-US" sz="1900" dirty="0">
+              <a:solidFill>
+                <a:schemeClr val="tx1">
+                  <a:lumMod val="75000"/>
+                  <a:lumOff val="25000"/>
+                </a:schemeClr>
+              </a:solidFill>
+            </a:endParaRPr>
           </a:p>
         </p:txBody>
       </p:sp>
       <p:pic>
         <p:nvPicPr>
-          <p:cNvPr id="15" name="Picture 14" descr="Diagram&#10;&#10;Description automatically generated">
-            <a:extLst>
-              <a:ext uri="{FF2B5EF4-FFF2-40B4-BE49-F238E27FC236}">
-                <a16:creationId xmlns:a16="http://schemas.microsoft.com/office/drawing/2014/main" id="{ECD73861-C652-4738-82B9-0F36FBF6CC34}"/>
-              </a:ext>
-            </a:extLst>
-          </p:cNvPr>
+          <p:cNvPr id="15" name="Picture 14" descr="Diagram&#10;&#10;Description automatically generated"/>
           <p:cNvPicPr>
             <a:picLocks noChangeAspect="1"/>
           </p:cNvPicPr>
           <p:nvPr/>
         </p:nvPicPr>
         <p:blipFill>
-          <a:blip r:embed="rId2">
+          <a:blip r:embed="rId1">
             <a:extLst>
               <a:ext uri="{28A0092B-C50C-407E-A947-70E740481C1C}">
                 <a14:useLocalDpi xmlns:a14="http://schemas.microsoft.com/office/drawing/2010/main" val="0"/>
@@ -5040,11 +4695,6 @@
         </p:spPr>
       </p:pic>
     </p:spTree>
-    <p:extLst>
-      <p:ext uri="{BB962C8B-B14F-4D97-AF65-F5344CB8AC3E}">
-        <p14:creationId xmlns:p14="http://schemas.microsoft.com/office/powerpoint/2010/main" val="3316226404"/>
-      </p:ext>
-    </p:extLst>
   </p:cSld>
   <p:clrMapOvr>
     <a:masterClrMapping/>
@@ -5095,7 +4745,7 @@
     </a:clrScheme>
     <a:fontScheme name="Retrospect">
       <a:majorFont>
-        <a:latin typeface="Bookman Old Style" panose="020F0302020204030204"/>
+        <a:latin typeface="Bookman Old Style"/>
         <a:ea typeface=""/>
         <a:cs typeface=""/>
         <a:font script="Jpan" typeface="ＭＳ Ｐゴシック"/>
@@ -5130,7 +4780,7 @@
         <a:font script="Geor" typeface="Sylfaen"/>
       </a:majorFont>
       <a:minorFont>
-        <a:latin typeface="Franklin Gothic Book" panose="020F0502020204030204"/>
+        <a:latin typeface="Franklin Gothic Book"/>
         <a:ea typeface=""/>
         <a:cs typeface=""/>
         <a:font script="Jpan" typeface="ＭＳ Ｐゴシック"/>
@@ -5325,11 +4975,9 @@
       </a:bgFillStyleLst>
     </a:fmtScheme>
   </a:themeElements>
-  <a:objectDefaults/>
-  <a:extraClrSchemeLst/>
   <a:extLst>
     <a:ext uri="{05A4C25C-085E-4340-85A3-A5531E510DB2}">
-      <thm15:themeFamily xmlns:thm15="http://schemas.microsoft.com/office/thememl/2012/main" name="TWO.pptx" id="{769520F8-BFE5-4C8C-A7AA-375C025A91CE}" vid="{AEAFD717-D3C8-4034-8F7E-D5220B0CCEB8}"/>
+      <thm15:themeFamily xmlns:thm15="http://schemas.microsoft.com/office/thememl/2012/main" name="Office Theme" id="{62F939B6-93AF-4DB8-9C6B-D6C7DFDC589F}" vid="{4A3C46E8-61CC-4603-A589-7422A47A8E4A}"/>
     </a:ext>
   </a:extLst>
 </a:theme>
